--- a/pres.pptx
+++ b/pres.pptx
@@ -34,8 +34,8 @@
 </file>
 
 <file path=ppt/slideLayouts/slideLayout1.xml><?xml version="1.0" encoding="utf-8"?>
-<p:sldLayout xmlns:a="http://schemas.openxmlformats.org/drawingml/2006/main" xmlns:p="http://schemas.openxmlformats.org/presentationml/2006/main" xmlns:r="http://schemas.openxmlformats.org/officeDocument/2006/relationships" xmlns:p14="http://schemas.microsoft.com/office/powerpoint/2010/main" xmlns:p15="http://schemas.microsoft.com/office/powerpoint/2012/main" xmlns:mc="http://schemas.openxmlformats.org/markup-compatibility/2006" type="blank" preserve="1">
-  <p:cSld name="Blank">
+<p:sldLayout xmlns:a="http://schemas.openxmlformats.org/drawingml/2006/main" xmlns:p="http://schemas.openxmlformats.org/presentationml/2006/main" xmlns:r="http://schemas.openxmlformats.org/officeDocument/2006/relationships" xmlns:p14="http://schemas.microsoft.com/office/powerpoint/2010/main" xmlns:p15="http://schemas.microsoft.com/office/powerpoint/2012/main" xmlns:mc="http://schemas.openxmlformats.org/markup-compatibility/2006" type="twoObj" preserve="1">
+  <p:cSld name="Two Content">
     <p:bg>
       <p:bgPr>
         <a:solidFill>
@@ -64,13 +64,470 @@
             <a:spLocks noGrp="1"/>
           </p:cNvSpPr>
           <p:nvPr>
+            <p:ph type="title"/>
+          </p:nvPr>
+        </p:nvSpPr>
+        <p:spPr>
+          <a:xfrm>
+            <a:off x="838080" y="365040"/>
+            <a:ext cx="10514520" cy="1324440"/>
+          </a:xfrm>
+          <a:prstGeom prst="rect">
+            <a:avLst/>
+          </a:prstGeom>
+          <a:noFill/>
+          <a:ln w="0">
+            <a:noFill/>
+          </a:ln>
+        </p:spPr>
+        <p:txBody>
+          <a:bodyPr lIns="91440" rIns="91440" tIns="45720" bIns="45720" anchor="ctr">
+            <a:noAutofit/>
+          </a:bodyPr>
+          <a:p>
+            <a:pPr indent="0" defTabSz="914400">
+              <a:lnSpc>
+                <a:spcPct val="90000"/>
+              </a:lnSpc>
+              <a:buNone/>
+              <a:tabLst>
+                <a:tab algn="l" pos="0"/>
+              </a:tabLst>
+            </a:pPr>
+            <a:r>
+              <a:rPr b="0" lang="en-US" sz="4400" strike="noStrike" u="none">
+                <a:solidFill>
+                  <a:schemeClr val="dk1"/>
+                </a:solidFill>
+                <a:effectLst/>
+                <a:uFillTx/>
+                <a:latin typeface="Calibri Light"/>
+              </a:rPr>
+              <a:t>Click to edit Master title style</a:t>
+            </a:r>
+            <a:endParaRPr b="0" lang="ru-RU" sz="4400" strike="noStrike" u="none">
+              <a:solidFill>
+                <a:srgbClr val="000000"/>
+              </a:solidFill>
+              <a:effectLst/>
+              <a:uFillTx/>
+              <a:latin typeface="Arial"/>
+            </a:endParaRPr>
+          </a:p>
+        </p:txBody>
+      </p:sp>
+      <p:sp>
+        <p:nvSpPr>
+          <p:cNvPr id="1" name="PlaceHolder 2"/>
+          <p:cNvSpPr>
+            <a:spLocks noGrp="1"/>
+          </p:cNvSpPr>
+          <p:nvPr>
+            <p:ph type="body"/>
+          </p:nvPr>
+        </p:nvSpPr>
+        <p:spPr>
+          <a:xfrm>
+            <a:off x="838080" y="1825560"/>
+            <a:ext cx="5180400" cy="4350240"/>
+          </a:xfrm>
+          <a:prstGeom prst="rect">
+            <a:avLst/>
+          </a:prstGeom>
+          <a:noFill/>
+          <a:ln w="0">
+            <a:noFill/>
+          </a:ln>
+        </p:spPr>
+        <p:txBody>
+          <a:bodyPr lIns="91440" rIns="91440" tIns="45720" bIns="45720" anchor="t">
+            <a:noAutofit/>
+          </a:bodyPr>
+          <a:p>
+            <a:pPr marL="228600" indent="-228600" defTabSz="914400">
+              <a:lnSpc>
+                <a:spcPct val="90000"/>
+              </a:lnSpc>
+              <a:spcBef>
+                <a:spcPts val="1001"/>
+              </a:spcBef>
+              <a:buClr>
+                <a:srgbClr val="000000"/>
+              </a:buClr>
+              <a:buFont typeface="Arial"/>
+              <a:buChar char="•"/>
+            </a:pPr>
+            <a:r>
+              <a:rPr b="0" lang="en-US" sz="2800" strike="noStrike" u="none">
+                <a:solidFill>
+                  <a:schemeClr val="dk1"/>
+                </a:solidFill>
+                <a:effectLst/>
+                <a:uFillTx/>
+                <a:latin typeface="Calibri"/>
+              </a:rPr>
+              <a:t>Click to edit Master text styles</a:t>
+            </a:r>
+            <a:endParaRPr b="0" lang="ru-RU" sz="2800" strike="noStrike" u="none">
+              <a:solidFill>
+                <a:srgbClr val="000000"/>
+              </a:solidFill>
+              <a:effectLst/>
+              <a:uFillTx/>
+              <a:latin typeface="Arial"/>
+            </a:endParaRPr>
+          </a:p>
+          <a:p>
+            <a:pPr lvl="1" marL="685800" indent="-228600" defTabSz="914400">
+              <a:lnSpc>
+                <a:spcPct val="90000"/>
+              </a:lnSpc>
+              <a:spcBef>
+                <a:spcPts val="499"/>
+              </a:spcBef>
+              <a:buClr>
+                <a:srgbClr val="000000"/>
+              </a:buClr>
+              <a:buFont typeface="Arial"/>
+              <a:buChar char="•"/>
+            </a:pPr>
+            <a:r>
+              <a:rPr b="0" lang="en-US" sz="2400" strike="noStrike" u="none">
+                <a:solidFill>
+                  <a:schemeClr val="dk1"/>
+                </a:solidFill>
+                <a:effectLst/>
+                <a:uFillTx/>
+                <a:latin typeface="Calibri"/>
+              </a:rPr>
+              <a:t>Second level</a:t>
+            </a:r>
+            <a:endParaRPr b="0" lang="ru-RU" sz="2400" strike="noStrike" u="none">
+              <a:solidFill>
+                <a:srgbClr val="000000"/>
+              </a:solidFill>
+              <a:effectLst/>
+              <a:uFillTx/>
+              <a:latin typeface="Arial"/>
+            </a:endParaRPr>
+          </a:p>
+          <a:p>
+            <a:pPr lvl="2" marL="1143000" indent="-228600" defTabSz="914400">
+              <a:lnSpc>
+                <a:spcPct val="90000"/>
+              </a:lnSpc>
+              <a:spcBef>
+                <a:spcPts val="499"/>
+              </a:spcBef>
+              <a:buClr>
+                <a:srgbClr val="000000"/>
+              </a:buClr>
+              <a:buFont typeface="Arial"/>
+              <a:buChar char="•"/>
+            </a:pPr>
+            <a:r>
+              <a:rPr b="0" lang="en-US" sz="2000" strike="noStrike" u="none">
+                <a:solidFill>
+                  <a:schemeClr val="dk1"/>
+                </a:solidFill>
+                <a:effectLst/>
+                <a:uFillTx/>
+                <a:latin typeface="Calibri"/>
+              </a:rPr>
+              <a:t>Third level</a:t>
+            </a:r>
+            <a:endParaRPr b="0" lang="ru-RU" sz="2000" strike="noStrike" u="none">
+              <a:solidFill>
+                <a:srgbClr val="000000"/>
+              </a:solidFill>
+              <a:effectLst/>
+              <a:uFillTx/>
+              <a:latin typeface="Arial"/>
+            </a:endParaRPr>
+          </a:p>
+          <a:p>
+            <a:pPr lvl="3" marL="1600200" indent="-228600" defTabSz="914400">
+              <a:lnSpc>
+                <a:spcPct val="90000"/>
+              </a:lnSpc>
+              <a:spcBef>
+                <a:spcPts val="499"/>
+              </a:spcBef>
+              <a:buClr>
+                <a:srgbClr val="000000"/>
+              </a:buClr>
+              <a:buFont typeface="Arial"/>
+              <a:buChar char="•"/>
+            </a:pPr>
+            <a:r>
+              <a:rPr b="0" lang="en-US" sz="1800" strike="noStrike" u="none">
+                <a:solidFill>
+                  <a:schemeClr val="dk1"/>
+                </a:solidFill>
+                <a:effectLst/>
+                <a:uFillTx/>
+                <a:latin typeface="Calibri"/>
+              </a:rPr>
+              <a:t>Fourth level</a:t>
+            </a:r>
+            <a:endParaRPr b="0" lang="ru-RU" sz="1800" strike="noStrike" u="none">
+              <a:solidFill>
+                <a:srgbClr val="000000"/>
+              </a:solidFill>
+              <a:effectLst/>
+              <a:uFillTx/>
+              <a:latin typeface="Arial"/>
+            </a:endParaRPr>
+          </a:p>
+          <a:p>
+            <a:pPr lvl="4" marL="2057400" indent="-228600" defTabSz="914400">
+              <a:lnSpc>
+                <a:spcPct val="90000"/>
+              </a:lnSpc>
+              <a:spcBef>
+                <a:spcPts val="499"/>
+              </a:spcBef>
+              <a:buClr>
+                <a:srgbClr val="000000"/>
+              </a:buClr>
+              <a:buFont typeface="Arial"/>
+              <a:buChar char="•"/>
+            </a:pPr>
+            <a:r>
+              <a:rPr b="0" lang="en-US" sz="1800" strike="noStrike" u="none">
+                <a:solidFill>
+                  <a:schemeClr val="dk1"/>
+                </a:solidFill>
+                <a:effectLst/>
+                <a:uFillTx/>
+                <a:latin typeface="Calibri"/>
+              </a:rPr>
+              <a:t>Fifth level</a:t>
+            </a:r>
+            <a:endParaRPr b="0" lang="ru-RU" sz="1800" strike="noStrike" u="none">
+              <a:solidFill>
+                <a:srgbClr val="000000"/>
+              </a:solidFill>
+              <a:effectLst/>
+              <a:uFillTx/>
+              <a:latin typeface="Arial"/>
+            </a:endParaRPr>
+          </a:p>
+        </p:txBody>
+      </p:sp>
+      <p:sp>
+        <p:nvSpPr>
+          <p:cNvPr id="2" name="PlaceHolder 3"/>
+          <p:cNvSpPr>
+            <a:spLocks noGrp="1"/>
+          </p:cNvSpPr>
+          <p:nvPr>
+            <p:ph type="body"/>
+          </p:nvPr>
+        </p:nvSpPr>
+        <p:spPr>
+          <a:xfrm>
+            <a:off x="6172200" y="1825560"/>
+            <a:ext cx="5180400" cy="4350240"/>
+          </a:xfrm>
+          <a:prstGeom prst="rect">
+            <a:avLst/>
+          </a:prstGeom>
+          <a:noFill/>
+          <a:ln w="0">
+            <a:noFill/>
+          </a:ln>
+        </p:spPr>
+        <p:txBody>
+          <a:bodyPr lIns="91440" rIns="91440" tIns="45720" bIns="45720" anchor="t">
+            <a:noAutofit/>
+          </a:bodyPr>
+          <a:p>
+            <a:pPr marL="228600" indent="-228600" defTabSz="914400">
+              <a:lnSpc>
+                <a:spcPct val="90000"/>
+              </a:lnSpc>
+              <a:spcBef>
+                <a:spcPts val="1001"/>
+              </a:spcBef>
+              <a:buClr>
+                <a:srgbClr val="000000"/>
+              </a:buClr>
+              <a:buFont typeface="Arial"/>
+              <a:buChar char="•"/>
+            </a:pPr>
+            <a:r>
+              <a:rPr b="0" lang="en-US" sz="2800" strike="noStrike" u="none">
+                <a:solidFill>
+                  <a:schemeClr val="dk1"/>
+                </a:solidFill>
+                <a:effectLst/>
+                <a:uFillTx/>
+                <a:latin typeface="Calibri"/>
+              </a:rPr>
+              <a:t>Click to edit Master text styles</a:t>
+            </a:r>
+            <a:endParaRPr b="0" lang="ru-RU" sz="2800" strike="noStrike" u="none">
+              <a:solidFill>
+                <a:srgbClr val="000000"/>
+              </a:solidFill>
+              <a:effectLst/>
+              <a:uFillTx/>
+              <a:latin typeface="Arial"/>
+            </a:endParaRPr>
+          </a:p>
+          <a:p>
+            <a:pPr lvl="1" marL="685800" indent="-228600" defTabSz="914400">
+              <a:lnSpc>
+                <a:spcPct val="90000"/>
+              </a:lnSpc>
+              <a:spcBef>
+                <a:spcPts val="499"/>
+              </a:spcBef>
+              <a:buClr>
+                <a:srgbClr val="000000"/>
+              </a:buClr>
+              <a:buFont typeface="Arial"/>
+              <a:buChar char="•"/>
+            </a:pPr>
+            <a:r>
+              <a:rPr b="0" lang="en-US" sz="2400" strike="noStrike" u="none">
+                <a:solidFill>
+                  <a:schemeClr val="dk1"/>
+                </a:solidFill>
+                <a:effectLst/>
+                <a:uFillTx/>
+                <a:latin typeface="Calibri"/>
+              </a:rPr>
+              <a:t>Second level</a:t>
+            </a:r>
+            <a:endParaRPr b="0" lang="ru-RU" sz="2400" strike="noStrike" u="none">
+              <a:solidFill>
+                <a:srgbClr val="000000"/>
+              </a:solidFill>
+              <a:effectLst/>
+              <a:uFillTx/>
+              <a:latin typeface="Arial"/>
+            </a:endParaRPr>
+          </a:p>
+          <a:p>
+            <a:pPr lvl="2" marL="1143000" indent="-228600" defTabSz="914400">
+              <a:lnSpc>
+                <a:spcPct val="90000"/>
+              </a:lnSpc>
+              <a:spcBef>
+                <a:spcPts val="499"/>
+              </a:spcBef>
+              <a:buClr>
+                <a:srgbClr val="000000"/>
+              </a:buClr>
+              <a:buFont typeface="Arial"/>
+              <a:buChar char="•"/>
+            </a:pPr>
+            <a:r>
+              <a:rPr b="0" lang="en-US" sz="2000" strike="noStrike" u="none">
+                <a:solidFill>
+                  <a:schemeClr val="dk1"/>
+                </a:solidFill>
+                <a:effectLst/>
+                <a:uFillTx/>
+                <a:latin typeface="Calibri"/>
+              </a:rPr>
+              <a:t>Third level</a:t>
+            </a:r>
+            <a:endParaRPr b="0" lang="ru-RU" sz="2000" strike="noStrike" u="none">
+              <a:solidFill>
+                <a:srgbClr val="000000"/>
+              </a:solidFill>
+              <a:effectLst/>
+              <a:uFillTx/>
+              <a:latin typeface="Arial"/>
+            </a:endParaRPr>
+          </a:p>
+          <a:p>
+            <a:pPr lvl="3" marL="1600200" indent="-228600" defTabSz="914400">
+              <a:lnSpc>
+                <a:spcPct val="90000"/>
+              </a:lnSpc>
+              <a:spcBef>
+                <a:spcPts val="499"/>
+              </a:spcBef>
+              <a:buClr>
+                <a:srgbClr val="000000"/>
+              </a:buClr>
+              <a:buFont typeface="Arial"/>
+              <a:buChar char="•"/>
+            </a:pPr>
+            <a:r>
+              <a:rPr b="0" lang="en-US" sz="1800" strike="noStrike" u="none">
+                <a:solidFill>
+                  <a:schemeClr val="dk1"/>
+                </a:solidFill>
+                <a:effectLst/>
+                <a:uFillTx/>
+                <a:latin typeface="Calibri"/>
+              </a:rPr>
+              <a:t>Fourth level</a:t>
+            </a:r>
+            <a:endParaRPr b="0" lang="ru-RU" sz="1800" strike="noStrike" u="none">
+              <a:solidFill>
+                <a:srgbClr val="000000"/>
+              </a:solidFill>
+              <a:effectLst/>
+              <a:uFillTx/>
+              <a:latin typeface="Arial"/>
+            </a:endParaRPr>
+          </a:p>
+          <a:p>
+            <a:pPr lvl="4" marL="2057400" indent="-228600" defTabSz="914400">
+              <a:lnSpc>
+                <a:spcPct val="90000"/>
+              </a:lnSpc>
+              <a:spcBef>
+                <a:spcPts val="499"/>
+              </a:spcBef>
+              <a:buClr>
+                <a:srgbClr val="000000"/>
+              </a:buClr>
+              <a:buFont typeface="Arial"/>
+              <a:buChar char="•"/>
+            </a:pPr>
+            <a:r>
+              <a:rPr b="0" lang="en-US" sz="1800" strike="noStrike" u="none">
+                <a:solidFill>
+                  <a:schemeClr val="dk1"/>
+                </a:solidFill>
+                <a:effectLst/>
+                <a:uFillTx/>
+                <a:latin typeface="Calibri"/>
+              </a:rPr>
+              <a:t>Fifth level</a:t>
+            </a:r>
+            <a:endParaRPr b="0" lang="ru-RU" sz="1800" strike="noStrike" u="none">
+              <a:solidFill>
+                <a:srgbClr val="000000"/>
+              </a:solidFill>
+              <a:effectLst/>
+              <a:uFillTx/>
+              <a:latin typeface="Arial"/>
+            </a:endParaRPr>
+          </a:p>
+        </p:txBody>
+      </p:sp>
+      <p:sp>
+        <p:nvSpPr>
+          <p:cNvPr id="3" name="PlaceHolder 4"/>
+          <p:cNvSpPr>
+            <a:spLocks noGrp="1"/>
+          </p:cNvSpPr>
+          <p:nvPr>
             <p:ph type="dt" idx="1"/>
           </p:nvPr>
         </p:nvSpPr>
         <p:spPr>
           <a:xfrm>
             <a:off x="838080" y="6356520"/>
-            <a:ext cx="2742480" cy="364320"/>
+            <a:ext cx="2742120" cy="363960"/>
           </a:xfrm>
           <a:prstGeom prst="rect">
             <a:avLst/>
@@ -141,7 +598,7 @@
       </p:sp>
       <p:sp>
         <p:nvSpPr>
-          <p:cNvPr id="1" name="PlaceHolder 2"/>
+          <p:cNvPr id="4" name="PlaceHolder 5"/>
           <p:cNvSpPr>
             <a:spLocks noGrp="1"/>
           </p:cNvSpPr>
@@ -152,7 +609,7 @@
         <p:spPr>
           <a:xfrm>
             <a:off x="4038480" y="6356520"/>
-            <a:ext cx="4114080" cy="364320"/>
+            <a:ext cx="4113720" cy="363960"/>
           </a:xfrm>
           <a:prstGeom prst="rect">
             <a:avLst/>
@@ -219,7 +676,7 @@
       </p:sp>
       <p:sp>
         <p:nvSpPr>
-          <p:cNvPr id="2" name="PlaceHolder 3"/>
+          <p:cNvPr id="5" name="PlaceHolder 6"/>
           <p:cNvSpPr>
             <a:spLocks noGrp="1"/>
           </p:cNvSpPr>
@@ -230,7 +687,7 @@
         <p:spPr>
           <a:xfrm>
             <a:off x="8610480" y="6356520"/>
-            <a:ext cx="2742480" cy="364320"/>
+            <a:ext cx="2742120" cy="363960"/>
           </a:xfrm>
           <a:prstGeom prst="rect">
             <a:avLst/>
@@ -275,7 +732,7 @@
                 <a:tab algn="l" pos="0"/>
               </a:tabLst>
             </a:pPr>
-            <a:fld id="{25F344ED-F199-4188-A223-537A1B8ADD36}" type="slidenum">
+            <a:fld id="{BA5E09A7-E1EC-48E0-9BFF-B89C1FC26399}" type="slidenum">
               <a:rPr b="0" lang="en-US" sz="1200" strike="noStrike" u="none">
                 <a:solidFill>
                   <a:schemeClr val="dk1">
@@ -305,6 +762,929 @@
 </file>
 
 <file path=ppt/slideLayouts/slideLayout10.xml><?xml version="1.0" encoding="utf-8"?>
+<p:sldLayout xmlns:a="http://schemas.openxmlformats.org/drawingml/2006/main" xmlns:p="http://schemas.openxmlformats.org/presentationml/2006/main" xmlns:r="http://schemas.openxmlformats.org/officeDocument/2006/relationships" xmlns:p14="http://schemas.microsoft.com/office/powerpoint/2010/main" xmlns:p15="http://schemas.microsoft.com/office/powerpoint/2012/main" xmlns:mc="http://schemas.openxmlformats.org/markup-compatibility/2006" type="obj" preserve="1">
+  <p:cSld name="Title and Content">
+    <p:bg>
+      <p:bgPr>
+        <a:solidFill>
+          <a:srgbClr val="ffffff"/>
+        </a:solidFill>
+      </p:bgPr>
+    </p:bg>
+    <p:spTree>
+      <p:nvGrpSpPr>
+        <p:cNvPr id="1" name=""/>
+        <p:cNvGrpSpPr/>
+        <p:nvPr/>
+      </p:nvGrpSpPr>
+      <p:grpSpPr>
+        <a:xfrm>
+          <a:off x="0" y="0"/>
+          <a:ext cx="0" cy="0"/>
+          <a:chOff x="0" y="0"/>
+          <a:chExt cx="0" cy="0"/>
+        </a:xfrm>
+      </p:grpSpPr>
+      <p:sp>
+        <p:nvSpPr>
+          <p:cNvPr id="48" name="PlaceHolder 1"/>
+          <p:cNvSpPr>
+            <a:spLocks noGrp="1"/>
+          </p:cNvSpPr>
+          <p:nvPr>
+            <p:ph type="title"/>
+          </p:nvPr>
+        </p:nvSpPr>
+        <p:spPr>
+          <a:xfrm>
+            <a:off x="838080" y="365040"/>
+            <a:ext cx="10514520" cy="1324440"/>
+          </a:xfrm>
+          <a:prstGeom prst="rect">
+            <a:avLst/>
+          </a:prstGeom>
+          <a:noFill/>
+          <a:ln w="0">
+            <a:noFill/>
+          </a:ln>
+        </p:spPr>
+        <p:txBody>
+          <a:bodyPr lIns="91440" rIns="91440" tIns="45720" bIns="45720" anchor="ctr">
+            <a:noAutofit/>
+          </a:bodyPr>
+          <a:p>
+            <a:pPr indent="0" defTabSz="914400">
+              <a:lnSpc>
+                <a:spcPct val="90000"/>
+              </a:lnSpc>
+              <a:buNone/>
+              <a:tabLst>
+                <a:tab algn="l" pos="0"/>
+              </a:tabLst>
+            </a:pPr>
+            <a:r>
+              <a:rPr b="0" lang="en-US" sz="4400" strike="noStrike" u="none">
+                <a:solidFill>
+                  <a:schemeClr val="dk1"/>
+                </a:solidFill>
+                <a:effectLst/>
+                <a:uFillTx/>
+                <a:latin typeface="Calibri Light"/>
+              </a:rPr>
+              <a:t>Click to edit Master title style</a:t>
+            </a:r>
+            <a:endParaRPr b="0" lang="ru-RU" sz="4400" strike="noStrike" u="none">
+              <a:solidFill>
+                <a:srgbClr val="000000"/>
+              </a:solidFill>
+              <a:effectLst/>
+              <a:uFillTx/>
+              <a:latin typeface="Arial"/>
+            </a:endParaRPr>
+          </a:p>
+        </p:txBody>
+      </p:sp>
+      <p:sp>
+        <p:nvSpPr>
+          <p:cNvPr id="49" name="PlaceHolder 2"/>
+          <p:cNvSpPr>
+            <a:spLocks noGrp="1"/>
+          </p:cNvSpPr>
+          <p:nvPr>
+            <p:ph type="body"/>
+          </p:nvPr>
+        </p:nvSpPr>
+        <p:spPr>
+          <a:xfrm>
+            <a:off x="838080" y="1825560"/>
+            <a:ext cx="10514520" cy="4350240"/>
+          </a:xfrm>
+          <a:prstGeom prst="rect">
+            <a:avLst/>
+          </a:prstGeom>
+          <a:noFill/>
+          <a:ln w="0">
+            <a:noFill/>
+          </a:ln>
+        </p:spPr>
+        <p:txBody>
+          <a:bodyPr lIns="91440" rIns="91440" tIns="45720" bIns="45720" anchor="t">
+            <a:noAutofit/>
+          </a:bodyPr>
+          <a:p>
+            <a:pPr marL="228600" indent="-228600" defTabSz="914400">
+              <a:lnSpc>
+                <a:spcPct val="90000"/>
+              </a:lnSpc>
+              <a:spcBef>
+                <a:spcPts val="1001"/>
+              </a:spcBef>
+              <a:buClr>
+                <a:srgbClr val="000000"/>
+              </a:buClr>
+              <a:buFont typeface="Arial"/>
+              <a:buChar char="•"/>
+            </a:pPr>
+            <a:r>
+              <a:rPr b="0" lang="en-US" sz="2800" strike="noStrike" u="none">
+                <a:solidFill>
+                  <a:schemeClr val="dk1"/>
+                </a:solidFill>
+                <a:effectLst/>
+                <a:uFillTx/>
+                <a:latin typeface="Calibri"/>
+              </a:rPr>
+              <a:t>Click to edit Master text styles</a:t>
+            </a:r>
+            <a:endParaRPr b="0" lang="ru-RU" sz="2800" strike="noStrike" u="none">
+              <a:solidFill>
+                <a:srgbClr val="000000"/>
+              </a:solidFill>
+              <a:effectLst/>
+              <a:uFillTx/>
+              <a:latin typeface="Arial"/>
+            </a:endParaRPr>
+          </a:p>
+          <a:p>
+            <a:pPr lvl="1" marL="685800" indent="-228600" defTabSz="914400">
+              <a:lnSpc>
+                <a:spcPct val="90000"/>
+              </a:lnSpc>
+              <a:spcBef>
+                <a:spcPts val="499"/>
+              </a:spcBef>
+              <a:buClr>
+                <a:srgbClr val="000000"/>
+              </a:buClr>
+              <a:buFont typeface="Arial"/>
+              <a:buChar char="•"/>
+            </a:pPr>
+            <a:r>
+              <a:rPr b="0" lang="en-US" sz="2400" strike="noStrike" u="none">
+                <a:solidFill>
+                  <a:schemeClr val="dk1"/>
+                </a:solidFill>
+                <a:effectLst/>
+                <a:uFillTx/>
+                <a:latin typeface="Calibri"/>
+              </a:rPr>
+              <a:t>Second level</a:t>
+            </a:r>
+            <a:endParaRPr b="0" lang="ru-RU" sz="2400" strike="noStrike" u="none">
+              <a:solidFill>
+                <a:srgbClr val="000000"/>
+              </a:solidFill>
+              <a:effectLst/>
+              <a:uFillTx/>
+              <a:latin typeface="Arial"/>
+            </a:endParaRPr>
+          </a:p>
+          <a:p>
+            <a:pPr lvl="2" marL="1143000" indent="-228600" defTabSz="914400">
+              <a:lnSpc>
+                <a:spcPct val="90000"/>
+              </a:lnSpc>
+              <a:spcBef>
+                <a:spcPts val="499"/>
+              </a:spcBef>
+              <a:buClr>
+                <a:srgbClr val="000000"/>
+              </a:buClr>
+              <a:buFont typeface="Arial"/>
+              <a:buChar char="•"/>
+            </a:pPr>
+            <a:r>
+              <a:rPr b="0" lang="en-US" sz="2000" strike="noStrike" u="none">
+                <a:solidFill>
+                  <a:schemeClr val="dk1"/>
+                </a:solidFill>
+                <a:effectLst/>
+                <a:uFillTx/>
+                <a:latin typeface="Calibri"/>
+              </a:rPr>
+              <a:t>Third level</a:t>
+            </a:r>
+            <a:endParaRPr b="0" lang="ru-RU" sz="2000" strike="noStrike" u="none">
+              <a:solidFill>
+                <a:srgbClr val="000000"/>
+              </a:solidFill>
+              <a:effectLst/>
+              <a:uFillTx/>
+              <a:latin typeface="Arial"/>
+            </a:endParaRPr>
+          </a:p>
+          <a:p>
+            <a:pPr lvl="3" marL="1600200" indent="-228600" defTabSz="914400">
+              <a:lnSpc>
+                <a:spcPct val="90000"/>
+              </a:lnSpc>
+              <a:spcBef>
+                <a:spcPts val="499"/>
+              </a:spcBef>
+              <a:buClr>
+                <a:srgbClr val="000000"/>
+              </a:buClr>
+              <a:buFont typeface="Arial"/>
+              <a:buChar char="•"/>
+            </a:pPr>
+            <a:r>
+              <a:rPr b="0" lang="en-US" sz="1800" strike="noStrike" u="none">
+                <a:solidFill>
+                  <a:schemeClr val="dk1"/>
+                </a:solidFill>
+                <a:effectLst/>
+                <a:uFillTx/>
+                <a:latin typeface="Calibri"/>
+              </a:rPr>
+              <a:t>Fourth level</a:t>
+            </a:r>
+            <a:endParaRPr b="0" lang="ru-RU" sz="1800" strike="noStrike" u="none">
+              <a:solidFill>
+                <a:srgbClr val="000000"/>
+              </a:solidFill>
+              <a:effectLst/>
+              <a:uFillTx/>
+              <a:latin typeface="Arial"/>
+            </a:endParaRPr>
+          </a:p>
+          <a:p>
+            <a:pPr lvl="4" marL="2057400" indent="-228600" defTabSz="914400">
+              <a:lnSpc>
+                <a:spcPct val="90000"/>
+              </a:lnSpc>
+              <a:spcBef>
+                <a:spcPts val="499"/>
+              </a:spcBef>
+              <a:buClr>
+                <a:srgbClr val="000000"/>
+              </a:buClr>
+              <a:buFont typeface="Arial"/>
+              <a:buChar char="•"/>
+            </a:pPr>
+            <a:r>
+              <a:rPr b="0" lang="en-US" sz="1800" strike="noStrike" u="none">
+                <a:solidFill>
+                  <a:schemeClr val="dk1"/>
+                </a:solidFill>
+                <a:effectLst/>
+                <a:uFillTx/>
+                <a:latin typeface="Calibri"/>
+              </a:rPr>
+              <a:t>Fifth level</a:t>
+            </a:r>
+            <a:endParaRPr b="0" lang="ru-RU" sz="1800" strike="noStrike" u="none">
+              <a:solidFill>
+                <a:srgbClr val="000000"/>
+              </a:solidFill>
+              <a:effectLst/>
+              <a:uFillTx/>
+              <a:latin typeface="Arial"/>
+            </a:endParaRPr>
+          </a:p>
+        </p:txBody>
+      </p:sp>
+      <p:sp>
+        <p:nvSpPr>
+          <p:cNvPr id="50" name="PlaceHolder 3"/>
+          <p:cNvSpPr>
+            <a:spLocks noGrp="1"/>
+          </p:cNvSpPr>
+          <p:nvPr>
+            <p:ph type="dt" idx="28"/>
+          </p:nvPr>
+        </p:nvSpPr>
+        <p:spPr>
+          <a:xfrm>
+            <a:off x="838080" y="6356520"/>
+            <a:ext cx="2742120" cy="363960"/>
+          </a:xfrm>
+          <a:prstGeom prst="rect">
+            <a:avLst/>
+          </a:prstGeom>
+          <a:noFill/>
+          <a:ln w="0">
+            <a:noFill/>
+          </a:ln>
+        </p:spPr>
+        <p:txBody>
+          <a:bodyPr lIns="91440" rIns="91440" tIns="45720" bIns="45720" anchor="ctr">
+            <a:noAutofit/>
+          </a:bodyPr>
+          <a:lstStyle>
+            <a:lvl1pPr indent="0" defTabSz="914400">
+              <a:lnSpc>
+                <a:spcPct val="100000"/>
+              </a:lnSpc>
+              <a:buNone/>
+              <a:tabLst>
+                <a:tab algn="l" pos="0"/>
+              </a:tabLst>
+              <a:defRPr b="0" lang="en-US" sz="1200" strike="noStrike" u="none">
+                <a:solidFill>
+                  <a:schemeClr val="dk1">
+                    <a:tint val="75000"/>
+                  </a:schemeClr>
+                </a:solidFill>
+                <a:effectLst/>
+                <a:uFillTx/>
+                <a:latin typeface="Calibri"/>
+              </a:defRPr>
+            </a:lvl1pPr>
+          </a:lstStyle>
+          <a:p>
+            <a:pPr indent="0" defTabSz="914400">
+              <a:lnSpc>
+                <a:spcPct val="100000"/>
+              </a:lnSpc>
+              <a:buNone/>
+              <a:tabLst>
+                <a:tab algn="l" pos="0"/>
+              </a:tabLst>
+            </a:pPr>
+            <a:r>
+              <a:rPr b="0" lang="en-US" sz="1200" strike="noStrike" u="none">
+                <a:solidFill>
+                  <a:schemeClr val="dk1">
+                    <a:tint val="75000"/>
+                  </a:schemeClr>
+                </a:solidFill>
+                <a:effectLst/>
+                <a:uFillTx/>
+                <a:latin typeface="Calibri"/>
+              </a:rPr>
+              <a:t>&lt;дата/время&gt;</a:t>
+            </a:r>
+            <a:endParaRPr b="0" lang="ru-RU" sz="1200" strike="noStrike" u="none">
+              <a:solidFill>
+                <a:srgbClr val="000000"/>
+              </a:solidFill>
+              <a:effectLst/>
+              <a:uFillTx/>
+              <a:latin typeface="Times New Roman"/>
+            </a:endParaRPr>
+          </a:p>
+        </p:txBody>
+      </p:sp>
+      <p:sp>
+        <p:nvSpPr>
+          <p:cNvPr id="51" name="PlaceHolder 4"/>
+          <p:cNvSpPr>
+            <a:spLocks noGrp="1"/>
+          </p:cNvSpPr>
+          <p:nvPr>
+            <p:ph type="ftr" idx="29"/>
+          </p:nvPr>
+        </p:nvSpPr>
+        <p:spPr>
+          <a:xfrm>
+            <a:off x="4038480" y="6356520"/>
+            <a:ext cx="4113720" cy="363960"/>
+          </a:xfrm>
+          <a:prstGeom prst="rect">
+            <a:avLst/>
+          </a:prstGeom>
+          <a:noFill/>
+          <a:ln w="0">
+            <a:noFill/>
+          </a:ln>
+        </p:spPr>
+        <p:txBody>
+          <a:bodyPr lIns="91440" rIns="91440" tIns="45720" bIns="45720" anchor="ctr">
+            <a:noAutofit/>
+          </a:bodyPr>
+          <a:lstStyle>
+            <a:lvl1pPr indent="0" algn="ctr">
+              <a:lnSpc>
+                <a:spcPct val="100000"/>
+              </a:lnSpc>
+              <a:buNone/>
+              <a:tabLst>
+                <a:tab algn="l" pos="0"/>
+              </a:tabLst>
+              <a:defRPr b="0" lang="ru-RU" sz="1400" strike="noStrike" u="none">
+                <a:solidFill>
+                  <a:srgbClr val="000000"/>
+                </a:solidFill>
+                <a:effectLst/>
+                <a:uFillTx/>
+                <a:latin typeface="Times New Roman"/>
+              </a:defRPr>
+            </a:lvl1pPr>
+          </a:lstStyle>
+          <a:p>
+            <a:pPr indent="0" algn="ctr">
+              <a:lnSpc>
+                <a:spcPct val="100000"/>
+              </a:lnSpc>
+              <a:buNone/>
+              <a:tabLst>
+                <a:tab algn="l" pos="0"/>
+              </a:tabLst>
+            </a:pPr>
+            <a:r>
+              <a:rPr b="0" lang="ru-RU" sz="1400" strike="noStrike" u="none">
+                <a:solidFill>
+                  <a:srgbClr val="000000"/>
+                </a:solidFill>
+                <a:effectLst/>
+                <a:uFillTx/>
+                <a:latin typeface="Times New Roman"/>
+              </a:rPr>
+              <a:t>&lt;нижний колонтитул&gt;</a:t>
+            </a:r>
+            <a:endParaRPr b="0" lang="ru-RU" sz="1400" strike="noStrike" u="none">
+              <a:solidFill>
+                <a:srgbClr val="000000"/>
+              </a:solidFill>
+              <a:effectLst/>
+              <a:uFillTx/>
+              <a:latin typeface="Times New Roman"/>
+            </a:endParaRPr>
+          </a:p>
+        </p:txBody>
+      </p:sp>
+      <p:sp>
+        <p:nvSpPr>
+          <p:cNvPr id="52" name="PlaceHolder 5"/>
+          <p:cNvSpPr>
+            <a:spLocks noGrp="1"/>
+          </p:cNvSpPr>
+          <p:nvPr>
+            <p:ph type="sldNum" idx="30"/>
+          </p:nvPr>
+        </p:nvSpPr>
+        <p:spPr>
+          <a:xfrm>
+            <a:off x="8610480" y="6356520"/>
+            <a:ext cx="2742120" cy="363960"/>
+          </a:xfrm>
+          <a:prstGeom prst="rect">
+            <a:avLst/>
+          </a:prstGeom>
+          <a:noFill/>
+          <a:ln w="0">
+            <a:noFill/>
+          </a:ln>
+        </p:spPr>
+        <p:txBody>
+          <a:bodyPr lIns="91440" rIns="91440" tIns="45720" bIns="45720" anchor="ctr">
+            <a:noAutofit/>
+          </a:bodyPr>
+          <a:lstStyle>
+            <a:lvl1pPr indent="0" algn="r" defTabSz="914400">
+              <a:lnSpc>
+                <a:spcPct val="100000"/>
+              </a:lnSpc>
+              <a:buNone/>
+              <a:tabLst>
+                <a:tab algn="l" pos="0"/>
+              </a:tabLst>
+              <a:defRPr b="0" lang="en-US" sz="1200" strike="noStrike" u="none">
+                <a:solidFill>
+                  <a:schemeClr val="dk1">
+                    <a:tint val="75000"/>
+                  </a:schemeClr>
+                </a:solidFill>
+                <a:effectLst/>
+                <a:uFillTx/>
+                <a:latin typeface="Calibri"/>
+              </a:defRPr>
+            </a:lvl1pPr>
+          </a:lstStyle>
+          <a:p>
+            <a:pPr indent="0" algn="r" defTabSz="914400">
+              <a:lnSpc>
+                <a:spcPct val="100000"/>
+              </a:lnSpc>
+              <a:buNone/>
+              <a:tabLst>
+                <a:tab algn="l" pos="0"/>
+              </a:tabLst>
+            </a:pPr>
+            <a:fld id="{9D6CA9B5-FFB7-48F2-A98C-7EF5118A146D}" type="slidenum">
+              <a:rPr b="0" lang="en-US" sz="1200" strike="noStrike" u="none">
+                <a:solidFill>
+                  <a:schemeClr val="dk1">
+                    <a:tint val="75000"/>
+                  </a:schemeClr>
+                </a:solidFill>
+                <a:effectLst/>
+                <a:uFillTx/>
+                <a:latin typeface="Calibri"/>
+              </a:rPr>
+              <a:t>&lt;номер&gt;</a:t>
+            </a:fld>
+            <a:endParaRPr b="0" lang="ru-RU" sz="1200" strike="noStrike" u="none">
+              <a:solidFill>
+                <a:srgbClr val="000000"/>
+              </a:solidFill>
+              <a:effectLst/>
+              <a:uFillTx/>
+              <a:latin typeface="Times New Roman"/>
+            </a:endParaRPr>
+          </a:p>
+        </p:txBody>
+      </p:sp>
+    </p:spTree>
+  </p:cSld>
+</p:sldLayout>
+</file>
+
+<file path=ppt/slideLayouts/slideLayout11.xml><?xml version="1.0" encoding="utf-8"?>
+<p:sldLayout xmlns:a="http://schemas.openxmlformats.org/drawingml/2006/main" xmlns:p="http://schemas.openxmlformats.org/presentationml/2006/main" xmlns:r="http://schemas.openxmlformats.org/officeDocument/2006/relationships" xmlns:p14="http://schemas.microsoft.com/office/powerpoint/2010/main" xmlns:p15="http://schemas.microsoft.com/office/powerpoint/2012/main" xmlns:mc="http://schemas.openxmlformats.org/markup-compatibility/2006" type="blank" preserve="1">
+  <p:cSld name="Section Header">
+    <p:bg>
+      <p:bgPr>
+        <a:solidFill>
+          <a:srgbClr val="ffffff"/>
+        </a:solidFill>
+      </p:bgPr>
+    </p:bg>
+    <p:spTree>
+      <p:nvGrpSpPr>
+        <p:cNvPr id="1" name=""/>
+        <p:cNvGrpSpPr/>
+        <p:nvPr/>
+      </p:nvGrpSpPr>
+      <p:grpSpPr>
+        <a:xfrm>
+          <a:off x="0" y="0"/>
+          <a:ext cx="0" cy="0"/>
+          <a:chOff x="0" y="0"/>
+          <a:chExt cx="0" cy="0"/>
+        </a:xfrm>
+      </p:grpSpPr>
+      <p:sp>
+        <p:nvSpPr>
+          <p:cNvPr id="53" name="PlaceHolder 1"/>
+          <p:cNvSpPr>
+            <a:spLocks noGrp="1"/>
+          </p:cNvSpPr>
+          <p:nvPr>
+            <p:ph type="title"/>
+          </p:nvPr>
+        </p:nvSpPr>
+        <p:spPr>
+          <a:xfrm>
+            <a:off x="831960" y="1709640"/>
+            <a:ext cx="10514520" cy="2851560"/>
+          </a:xfrm>
+          <a:prstGeom prst="rect">
+            <a:avLst/>
+          </a:prstGeom>
+          <a:noFill/>
+          <a:ln w="0">
+            <a:noFill/>
+          </a:ln>
+        </p:spPr>
+        <p:txBody>
+          <a:bodyPr lIns="91440" rIns="91440" tIns="45720" bIns="45720" anchor="b">
+            <a:noAutofit/>
+          </a:bodyPr>
+          <a:p>
+            <a:pPr indent="0" defTabSz="914400">
+              <a:lnSpc>
+                <a:spcPct val="90000"/>
+              </a:lnSpc>
+              <a:buNone/>
+              <a:tabLst>
+                <a:tab algn="l" pos="0"/>
+              </a:tabLst>
+            </a:pPr>
+            <a:r>
+              <a:rPr b="0" lang="en-US" sz="6000" strike="noStrike" u="none">
+                <a:solidFill>
+                  <a:schemeClr val="dk1"/>
+                </a:solidFill>
+                <a:effectLst/>
+                <a:uFillTx/>
+                <a:latin typeface="Calibri Light"/>
+              </a:rPr>
+              <a:t>Click to edit Master title style</a:t>
+            </a:r>
+            <a:endParaRPr b="0" lang="ru-RU" sz="6000" strike="noStrike" u="none">
+              <a:solidFill>
+                <a:srgbClr val="000000"/>
+              </a:solidFill>
+              <a:effectLst/>
+              <a:uFillTx/>
+              <a:latin typeface="Arial"/>
+            </a:endParaRPr>
+          </a:p>
+        </p:txBody>
+      </p:sp>
+      <p:sp>
+        <p:nvSpPr>
+          <p:cNvPr id="54" name="PlaceHolder 2"/>
+          <p:cNvSpPr>
+            <a:spLocks noGrp="1"/>
+          </p:cNvSpPr>
+          <p:nvPr>
+            <p:ph type="body"/>
+          </p:nvPr>
+        </p:nvSpPr>
+        <p:spPr>
+          <a:xfrm>
+            <a:off x="831960" y="4589640"/>
+            <a:ext cx="10514520" cy="1499040"/>
+          </a:xfrm>
+          <a:prstGeom prst="rect">
+            <a:avLst/>
+          </a:prstGeom>
+          <a:noFill/>
+          <a:ln w="0">
+            <a:noFill/>
+          </a:ln>
+        </p:spPr>
+        <p:txBody>
+          <a:bodyPr lIns="91440" rIns="91440" tIns="45720" bIns="45720" anchor="t">
+            <a:noAutofit/>
+          </a:bodyPr>
+          <a:p>
+            <a:pPr indent="0" defTabSz="914400">
+              <a:lnSpc>
+                <a:spcPct val="90000"/>
+              </a:lnSpc>
+              <a:spcBef>
+                <a:spcPts val="1001"/>
+              </a:spcBef>
+              <a:buNone/>
+              <a:tabLst>
+                <a:tab algn="l" pos="0"/>
+              </a:tabLst>
+            </a:pPr>
+            <a:r>
+              <a:rPr b="0" lang="en-US" sz="2400" strike="noStrike" u="none">
+                <a:solidFill>
+                  <a:schemeClr val="dk1">
+                    <a:tint val="75000"/>
+                  </a:schemeClr>
+                </a:solidFill>
+                <a:effectLst/>
+                <a:uFillTx/>
+                <a:latin typeface="Calibri"/>
+              </a:rPr>
+              <a:t>Click to edit Master text styles</a:t>
+            </a:r>
+            <a:endParaRPr b="0" lang="ru-RU" sz="2400" strike="noStrike" u="none">
+              <a:solidFill>
+                <a:srgbClr val="000000"/>
+              </a:solidFill>
+              <a:effectLst/>
+              <a:uFillTx/>
+              <a:latin typeface="Arial"/>
+            </a:endParaRPr>
+          </a:p>
+        </p:txBody>
+      </p:sp>
+      <p:sp>
+        <p:nvSpPr>
+          <p:cNvPr id="55" name="PlaceHolder 3"/>
+          <p:cNvSpPr>
+            <a:spLocks noGrp="1"/>
+          </p:cNvSpPr>
+          <p:nvPr>
+            <p:ph type="dt" idx="31"/>
+          </p:nvPr>
+        </p:nvSpPr>
+        <p:spPr>
+          <a:xfrm>
+            <a:off x="838080" y="6356520"/>
+            <a:ext cx="2742120" cy="363960"/>
+          </a:xfrm>
+          <a:prstGeom prst="rect">
+            <a:avLst/>
+          </a:prstGeom>
+          <a:noFill/>
+          <a:ln w="0">
+            <a:noFill/>
+          </a:ln>
+        </p:spPr>
+        <p:txBody>
+          <a:bodyPr lIns="91440" rIns="91440" tIns="45720" bIns="45720" anchor="ctr">
+            <a:noAutofit/>
+          </a:bodyPr>
+          <a:lstStyle>
+            <a:lvl1pPr indent="0" defTabSz="914400">
+              <a:lnSpc>
+                <a:spcPct val="100000"/>
+              </a:lnSpc>
+              <a:buNone/>
+              <a:tabLst>
+                <a:tab algn="l" pos="0"/>
+              </a:tabLst>
+              <a:defRPr b="0" lang="en-US" sz="1200" strike="noStrike" u="none">
+                <a:solidFill>
+                  <a:schemeClr val="dk1">
+                    <a:tint val="75000"/>
+                  </a:schemeClr>
+                </a:solidFill>
+                <a:effectLst/>
+                <a:uFillTx/>
+                <a:latin typeface="Calibri"/>
+              </a:defRPr>
+            </a:lvl1pPr>
+          </a:lstStyle>
+          <a:p>
+            <a:pPr indent="0" defTabSz="914400">
+              <a:lnSpc>
+                <a:spcPct val="100000"/>
+              </a:lnSpc>
+              <a:buNone/>
+              <a:tabLst>
+                <a:tab algn="l" pos="0"/>
+              </a:tabLst>
+            </a:pPr>
+            <a:r>
+              <a:rPr b="0" lang="en-US" sz="1200" strike="noStrike" u="none">
+                <a:solidFill>
+                  <a:schemeClr val="dk1">
+                    <a:tint val="75000"/>
+                  </a:schemeClr>
+                </a:solidFill>
+                <a:effectLst/>
+                <a:uFillTx/>
+                <a:latin typeface="Calibri"/>
+              </a:rPr>
+              <a:t>&lt;дата/время&gt;</a:t>
+            </a:r>
+            <a:endParaRPr b="0" lang="ru-RU" sz="1200" strike="noStrike" u="none">
+              <a:solidFill>
+                <a:srgbClr val="000000"/>
+              </a:solidFill>
+              <a:effectLst/>
+              <a:uFillTx/>
+              <a:latin typeface="Times New Roman"/>
+            </a:endParaRPr>
+          </a:p>
+        </p:txBody>
+      </p:sp>
+      <p:sp>
+        <p:nvSpPr>
+          <p:cNvPr id="56" name="PlaceHolder 4"/>
+          <p:cNvSpPr>
+            <a:spLocks noGrp="1"/>
+          </p:cNvSpPr>
+          <p:nvPr>
+            <p:ph type="ftr" idx="32"/>
+          </p:nvPr>
+        </p:nvSpPr>
+        <p:spPr>
+          <a:xfrm>
+            <a:off x="4038480" y="6356520"/>
+            <a:ext cx="4113720" cy="363960"/>
+          </a:xfrm>
+          <a:prstGeom prst="rect">
+            <a:avLst/>
+          </a:prstGeom>
+          <a:noFill/>
+          <a:ln w="0">
+            <a:noFill/>
+          </a:ln>
+        </p:spPr>
+        <p:txBody>
+          <a:bodyPr lIns="91440" rIns="91440" tIns="45720" bIns="45720" anchor="ctr">
+            <a:noAutofit/>
+          </a:bodyPr>
+          <a:lstStyle>
+            <a:lvl1pPr indent="0" algn="ctr">
+              <a:lnSpc>
+                <a:spcPct val="100000"/>
+              </a:lnSpc>
+              <a:buNone/>
+              <a:tabLst>
+                <a:tab algn="l" pos="0"/>
+              </a:tabLst>
+              <a:defRPr b="0" lang="ru-RU" sz="1400" strike="noStrike" u="none">
+                <a:solidFill>
+                  <a:srgbClr val="000000"/>
+                </a:solidFill>
+                <a:effectLst/>
+                <a:uFillTx/>
+                <a:latin typeface="Times New Roman"/>
+              </a:defRPr>
+            </a:lvl1pPr>
+          </a:lstStyle>
+          <a:p>
+            <a:pPr indent="0" algn="ctr">
+              <a:lnSpc>
+                <a:spcPct val="100000"/>
+              </a:lnSpc>
+              <a:buNone/>
+              <a:tabLst>
+                <a:tab algn="l" pos="0"/>
+              </a:tabLst>
+            </a:pPr>
+            <a:r>
+              <a:rPr b="0" lang="ru-RU" sz="1400" strike="noStrike" u="none">
+                <a:solidFill>
+                  <a:srgbClr val="000000"/>
+                </a:solidFill>
+                <a:effectLst/>
+                <a:uFillTx/>
+                <a:latin typeface="Times New Roman"/>
+              </a:rPr>
+              <a:t>&lt;нижний колонтитул&gt;</a:t>
+            </a:r>
+            <a:endParaRPr b="0" lang="ru-RU" sz="1400" strike="noStrike" u="none">
+              <a:solidFill>
+                <a:srgbClr val="000000"/>
+              </a:solidFill>
+              <a:effectLst/>
+              <a:uFillTx/>
+              <a:latin typeface="Times New Roman"/>
+            </a:endParaRPr>
+          </a:p>
+        </p:txBody>
+      </p:sp>
+      <p:sp>
+        <p:nvSpPr>
+          <p:cNvPr id="57" name="PlaceHolder 5"/>
+          <p:cNvSpPr>
+            <a:spLocks noGrp="1"/>
+          </p:cNvSpPr>
+          <p:nvPr>
+            <p:ph type="sldNum" idx="33"/>
+          </p:nvPr>
+        </p:nvSpPr>
+        <p:spPr>
+          <a:xfrm>
+            <a:off x="8610480" y="6356520"/>
+            <a:ext cx="2742120" cy="363960"/>
+          </a:xfrm>
+          <a:prstGeom prst="rect">
+            <a:avLst/>
+          </a:prstGeom>
+          <a:noFill/>
+          <a:ln w="0">
+            <a:noFill/>
+          </a:ln>
+        </p:spPr>
+        <p:txBody>
+          <a:bodyPr lIns="91440" rIns="91440" tIns="45720" bIns="45720" anchor="ctr">
+            <a:noAutofit/>
+          </a:bodyPr>
+          <a:lstStyle>
+            <a:lvl1pPr indent="0" algn="r" defTabSz="914400">
+              <a:lnSpc>
+                <a:spcPct val="100000"/>
+              </a:lnSpc>
+              <a:buNone/>
+              <a:tabLst>
+                <a:tab algn="l" pos="0"/>
+              </a:tabLst>
+              <a:defRPr b="0" lang="en-US" sz="1200" strike="noStrike" u="none">
+                <a:solidFill>
+                  <a:schemeClr val="dk1">
+                    <a:tint val="75000"/>
+                  </a:schemeClr>
+                </a:solidFill>
+                <a:effectLst/>
+                <a:uFillTx/>
+                <a:latin typeface="Calibri"/>
+              </a:defRPr>
+            </a:lvl1pPr>
+          </a:lstStyle>
+          <a:p>
+            <a:pPr indent="0" algn="r" defTabSz="914400">
+              <a:lnSpc>
+                <a:spcPct val="100000"/>
+              </a:lnSpc>
+              <a:buNone/>
+              <a:tabLst>
+                <a:tab algn="l" pos="0"/>
+              </a:tabLst>
+            </a:pPr>
+            <a:fld id="{EE08738D-E597-4DF2-A7EC-DD316667CEA8}" type="slidenum">
+              <a:rPr b="0" lang="en-US" sz="1200" strike="noStrike" u="none">
+                <a:solidFill>
+                  <a:schemeClr val="dk1">
+                    <a:tint val="75000"/>
+                  </a:schemeClr>
+                </a:solidFill>
+                <a:effectLst/>
+                <a:uFillTx/>
+                <a:latin typeface="Calibri"/>
+              </a:rPr>
+              <a:t>&lt;номер&gt;</a:t>
+            </a:fld>
+            <a:endParaRPr b="0" lang="ru-RU" sz="1200" strike="noStrike" u="none">
+              <a:solidFill>
+                <a:srgbClr val="000000"/>
+              </a:solidFill>
+              <a:effectLst/>
+              <a:uFillTx/>
+              <a:latin typeface="Times New Roman"/>
+            </a:endParaRPr>
+          </a:p>
+        </p:txBody>
+      </p:sp>
+    </p:spTree>
+  </p:cSld>
+</p:sldLayout>
+</file>
+
+<file path=ppt/slideLayouts/slideLayout2.xml><?xml version="1.0" encoding="utf-8"?>
 <p:sldLayout xmlns:a="http://schemas.openxmlformats.org/drawingml/2006/main" xmlns:p="http://schemas.openxmlformats.org/presentationml/2006/main" xmlns:r="http://schemas.openxmlformats.org/officeDocument/2006/relationships" xmlns:p14="http://schemas.microsoft.com/office/powerpoint/2010/main" xmlns:p15="http://schemas.microsoft.com/office/powerpoint/2012/main" xmlns:mc="http://schemas.openxmlformats.org/markup-compatibility/2006" type="blank" preserve="1">
   <p:cSld name="Comparison">
     <p:bg>
@@ -330,7 +1710,7 @@
       </p:grpSpPr>
       <p:sp>
         <p:nvSpPr>
-          <p:cNvPr id="46" name="PlaceHolder 1"/>
+          <p:cNvPr id="6" name="PlaceHolder 1"/>
           <p:cNvSpPr>
             <a:spLocks noGrp="1"/>
           </p:cNvSpPr>
@@ -341,7 +1721,7 @@
         <p:spPr>
           <a:xfrm>
             <a:off x="839880" y="365040"/>
-            <a:ext cx="10514880" cy="1324800"/>
+            <a:ext cx="10514520" cy="1324440"/>
           </a:xfrm>
           <a:prstGeom prst="rect">
             <a:avLst/>
@@ -389,7 +1769,7 @@
       </p:sp>
       <p:sp>
         <p:nvSpPr>
-          <p:cNvPr id="47" name="PlaceHolder 2"/>
+          <p:cNvPr id="7" name="PlaceHolder 2"/>
           <p:cNvSpPr>
             <a:spLocks noGrp="1"/>
           </p:cNvSpPr>
@@ -400,7 +1780,7 @@
         <p:spPr>
           <a:xfrm>
             <a:off x="839880" y="1681200"/>
-            <a:ext cx="5157000" cy="823320"/>
+            <a:ext cx="5156640" cy="822960"/>
           </a:xfrm>
           <a:prstGeom prst="rect">
             <a:avLst/>
@@ -451,7 +1831,7 @@
       </p:sp>
       <p:sp>
         <p:nvSpPr>
-          <p:cNvPr id="48" name="PlaceHolder 3"/>
+          <p:cNvPr id="8" name="PlaceHolder 3"/>
           <p:cNvSpPr>
             <a:spLocks noGrp="1"/>
           </p:cNvSpPr>
@@ -462,7 +1842,7 @@
         <p:spPr>
           <a:xfrm>
             <a:off x="839880" y="2505240"/>
-            <a:ext cx="5157000" cy="3683880"/>
+            <a:ext cx="5156640" cy="3683520"/>
           </a:xfrm>
           <a:prstGeom prst="rect">
             <a:avLst/>
@@ -650,7 +2030,7 @@
       </p:sp>
       <p:sp>
         <p:nvSpPr>
-          <p:cNvPr id="49" name="PlaceHolder 4"/>
+          <p:cNvPr id="9" name="PlaceHolder 4"/>
           <p:cNvSpPr>
             <a:spLocks noGrp="1"/>
           </p:cNvSpPr>
@@ -661,7 +2041,7 @@
         <p:spPr>
           <a:xfrm>
             <a:off x="6172200" y="1681200"/>
-            <a:ext cx="5182560" cy="823320"/>
+            <a:ext cx="5182200" cy="822960"/>
           </a:xfrm>
           <a:prstGeom prst="rect">
             <a:avLst/>
@@ -712,7 +2092,7 @@
       </p:sp>
       <p:sp>
         <p:nvSpPr>
-          <p:cNvPr id="50" name="PlaceHolder 5"/>
+          <p:cNvPr id="10" name="PlaceHolder 5"/>
           <p:cNvSpPr>
             <a:spLocks noGrp="1"/>
           </p:cNvSpPr>
@@ -723,7 +2103,7 @@
         <p:spPr>
           <a:xfrm>
             <a:off x="6172200" y="2505240"/>
-            <a:ext cx="5182560" cy="3683880"/>
+            <a:ext cx="5182200" cy="3683520"/>
           </a:xfrm>
           <a:prstGeom prst="rect">
             <a:avLst/>
@@ -911,18 +2291,18 @@
       </p:sp>
       <p:sp>
         <p:nvSpPr>
-          <p:cNvPr id="51" name="PlaceHolder 6"/>
+          <p:cNvPr id="11" name="PlaceHolder 6"/>
           <p:cNvSpPr>
             <a:spLocks noGrp="1"/>
           </p:cNvSpPr>
           <p:nvPr>
-            <p:ph type="dt" idx="28"/>
+            <p:ph type="dt" idx="4"/>
           </p:nvPr>
         </p:nvSpPr>
         <p:spPr>
           <a:xfrm>
             <a:off x="838080" y="6356520"/>
-            <a:ext cx="2742480" cy="364320"/>
+            <a:ext cx="2742120" cy="363960"/>
           </a:xfrm>
           <a:prstGeom prst="rect">
             <a:avLst/>
@@ -993,18 +2373,18 @@
       </p:sp>
       <p:sp>
         <p:nvSpPr>
-          <p:cNvPr id="52" name="PlaceHolder 7"/>
+          <p:cNvPr id="12" name="PlaceHolder 7"/>
           <p:cNvSpPr>
             <a:spLocks noGrp="1"/>
           </p:cNvSpPr>
           <p:nvPr>
-            <p:ph type="ftr" idx="29"/>
+            <p:ph type="ftr" idx="5"/>
           </p:nvPr>
         </p:nvSpPr>
         <p:spPr>
           <a:xfrm>
             <a:off x="4038480" y="6356520"/>
-            <a:ext cx="4114080" cy="364320"/>
+            <a:ext cx="4113720" cy="363960"/>
           </a:xfrm>
           <a:prstGeom prst="rect">
             <a:avLst/>
@@ -1071,18 +2451,18 @@
       </p:sp>
       <p:sp>
         <p:nvSpPr>
-          <p:cNvPr id="53" name="PlaceHolder 8"/>
+          <p:cNvPr id="13" name="PlaceHolder 8"/>
           <p:cNvSpPr>
             <a:spLocks noGrp="1"/>
           </p:cNvSpPr>
           <p:nvPr>
-            <p:ph type="sldNum" idx="30"/>
+            <p:ph type="sldNum" idx="6"/>
           </p:nvPr>
         </p:nvSpPr>
         <p:spPr>
           <a:xfrm>
             <a:off x="8610480" y="6356520"/>
-            <a:ext cx="2742480" cy="364320"/>
+            <a:ext cx="2742120" cy="363960"/>
           </a:xfrm>
           <a:prstGeom prst="rect">
             <a:avLst/>
@@ -1127,7 +2507,7 @@
                 <a:tab algn="l" pos="0"/>
               </a:tabLst>
             </a:pPr>
-            <a:fld id="{FE1C7BA9-C4F0-489D-A5EE-CFFBACD4E0B5}" type="slidenum">
+            <a:fld id="{0FE35752-5A5E-4A9F-B2CD-3867480EEA76}" type="slidenum">
               <a:rPr b="0" lang="en-US" sz="1200" strike="noStrike" u="none">
                 <a:solidFill>
                   <a:schemeClr val="dk1">
@@ -1156,7 +2536,7 @@
 </p:sldLayout>
 </file>
 
-<file path=ppt/slideLayouts/slideLayout11.xml><?xml version="1.0" encoding="utf-8"?>
+<file path=ppt/slideLayouts/slideLayout3.xml><?xml version="1.0" encoding="utf-8"?>
 <p:sldLayout xmlns:a="http://schemas.openxmlformats.org/drawingml/2006/main" xmlns:p="http://schemas.openxmlformats.org/presentationml/2006/main" xmlns:r="http://schemas.openxmlformats.org/officeDocument/2006/relationships" xmlns:p14="http://schemas.microsoft.com/office/powerpoint/2010/main" xmlns:p15="http://schemas.microsoft.com/office/powerpoint/2012/main" xmlns:mc="http://schemas.openxmlformats.org/markup-compatibility/2006" type="titleOnly" preserve="1">
   <p:cSld name="Title Only">
     <p:bg>
@@ -1182,7 +2562,7 @@
       </p:grpSpPr>
       <p:sp>
         <p:nvSpPr>
-          <p:cNvPr id="54" name="PlaceHolder 1"/>
+          <p:cNvPr id="14" name="PlaceHolder 1"/>
           <p:cNvSpPr>
             <a:spLocks noGrp="1"/>
           </p:cNvSpPr>
@@ -1193,7 +2573,7 @@
         <p:spPr>
           <a:xfrm>
             <a:off x="838080" y="365040"/>
-            <a:ext cx="10514880" cy="1324800"/>
+            <a:ext cx="10514520" cy="1324440"/>
           </a:xfrm>
           <a:prstGeom prst="rect">
             <a:avLst/>
@@ -1241,18 +2621,18 @@
       </p:sp>
       <p:sp>
         <p:nvSpPr>
-          <p:cNvPr id="55" name="PlaceHolder 2"/>
+          <p:cNvPr id="15" name="PlaceHolder 2"/>
           <p:cNvSpPr>
             <a:spLocks noGrp="1"/>
           </p:cNvSpPr>
           <p:nvPr>
-            <p:ph type="dt" idx="31"/>
+            <p:ph type="dt" idx="7"/>
           </p:nvPr>
         </p:nvSpPr>
         <p:spPr>
           <a:xfrm>
             <a:off x="838080" y="6356520"/>
-            <a:ext cx="2742480" cy="364320"/>
+            <a:ext cx="2742120" cy="363960"/>
           </a:xfrm>
           <a:prstGeom prst="rect">
             <a:avLst/>
@@ -1323,18 +2703,18 @@
       </p:sp>
       <p:sp>
         <p:nvSpPr>
-          <p:cNvPr id="56" name="PlaceHolder 3"/>
+          <p:cNvPr id="16" name="PlaceHolder 3"/>
           <p:cNvSpPr>
             <a:spLocks noGrp="1"/>
           </p:cNvSpPr>
           <p:nvPr>
-            <p:ph type="ftr" idx="32"/>
+            <p:ph type="ftr" idx="8"/>
           </p:nvPr>
         </p:nvSpPr>
         <p:spPr>
           <a:xfrm>
             <a:off x="4038480" y="6356520"/>
-            <a:ext cx="4114080" cy="364320"/>
+            <a:ext cx="4113720" cy="363960"/>
           </a:xfrm>
           <a:prstGeom prst="rect">
             <a:avLst/>
@@ -1401,18 +2781,18 @@
       </p:sp>
       <p:sp>
         <p:nvSpPr>
-          <p:cNvPr id="57" name="PlaceHolder 4"/>
+          <p:cNvPr id="17" name="PlaceHolder 4"/>
           <p:cNvSpPr>
             <a:spLocks noGrp="1"/>
           </p:cNvSpPr>
           <p:nvPr>
-            <p:ph type="sldNum" idx="33"/>
+            <p:ph type="sldNum" idx="9"/>
           </p:nvPr>
         </p:nvSpPr>
         <p:spPr>
           <a:xfrm>
             <a:off x="8610480" y="6356520"/>
-            <a:ext cx="2742480" cy="364320"/>
+            <a:ext cx="2742120" cy="363960"/>
           </a:xfrm>
           <a:prstGeom prst="rect">
             <a:avLst/>
@@ -1457,7 +2837,7 @@
                 <a:tab algn="l" pos="0"/>
               </a:tabLst>
             </a:pPr>
-            <a:fld id="{DC184E01-73B4-47D4-A2CC-0651577BAB44}" type="slidenum">
+            <a:fld id="{3098B440-8822-4D60-B749-487AAE5FFE76}" type="slidenum">
               <a:rPr b="0" lang="en-US" sz="1200" strike="noStrike" u="none">
                 <a:solidFill>
                   <a:schemeClr val="dk1">
@@ -1486,7 +2866,278 @@
 </p:sldLayout>
 </file>
 
-<file path=ppt/slideLayouts/slideLayout2.xml><?xml version="1.0" encoding="utf-8"?>
+<file path=ppt/slideLayouts/slideLayout4.xml><?xml version="1.0" encoding="utf-8"?>
+<p:sldLayout xmlns:a="http://schemas.openxmlformats.org/drawingml/2006/main" xmlns:p="http://schemas.openxmlformats.org/presentationml/2006/main" xmlns:r="http://schemas.openxmlformats.org/officeDocument/2006/relationships" xmlns:p14="http://schemas.microsoft.com/office/powerpoint/2010/main" xmlns:p15="http://schemas.microsoft.com/office/powerpoint/2012/main" xmlns:mc="http://schemas.openxmlformats.org/markup-compatibility/2006" type="blank" preserve="1">
+  <p:cSld name="Blank">
+    <p:bg>
+      <p:bgPr>
+        <a:solidFill>
+          <a:srgbClr val="ffffff"/>
+        </a:solidFill>
+      </p:bgPr>
+    </p:bg>
+    <p:spTree>
+      <p:nvGrpSpPr>
+        <p:cNvPr id="1" name=""/>
+        <p:cNvGrpSpPr/>
+        <p:nvPr/>
+      </p:nvGrpSpPr>
+      <p:grpSpPr>
+        <a:xfrm>
+          <a:off x="0" y="0"/>
+          <a:ext cx="0" cy="0"/>
+          <a:chOff x="0" y="0"/>
+          <a:chExt cx="0" cy="0"/>
+        </a:xfrm>
+      </p:grpSpPr>
+      <p:sp>
+        <p:nvSpPr>
+          <p:cNvPr id="18" name="PlaceHolder 1"/>
+          <p:cNvSpPr>
+            <a:spLocks noGrp="1"/>
+          </p:cNvSpPr>
+          <p:nvPr>
+            <p:ph type="dt" idx="10"/>
+          </p:nvPr>
+        </p:nvSpPr>
+        <p:spPr>
+          <a:xfrm>
+            <a:off x="838080" y="6356520"/>
+            <a:ext cx="2742120" cy="363960"/>
+          </a:xfrm>
+          <a:prstGeom prst="rect">
+            <a:avLst/>
+          </a:prstGeom>
+          <a:noFill/>
+          <a:ln w="0">
+            <a:noFill/>
+          </a:ln>
+        </p:spPr>
+        <p:txBody>
+          <a:bodyPr lIns="91440" rIns="91440" tIns="45720" bIns="45720" anchor="ctr">
+            <a:noAutofit/>
+          </a:bodyPr>
+          <a:lstStyle>
+            <a:lvl1pPr indent="0" defTabSz="914400">
+              <a:lnSpc>
+                <a:spcPct val="100000"/>
+              </a:lnSpc>
+              <a:buNone/>
+              <a:tabLst>
+                <a:tab algn="l" pos="0"/>
+              </a:tabLst>
+              <a:defRPr b="0" lang="en-US" sz="1200" strike="noStrike" u="none">
+                <a:solidFill>
+                  <a:schemeClr val="dk1">
+                    <a:tint val="75000"/>
+                  </a:schemeClr>
+                </a:solidFill>
+                <a:effectLst/>
+                <a:uFillTx/>
+                <a:latin typeface="Calibri"/>
+              </a:defRPr>
+            </a:lvl1pPr>
+          </a:lstStyle>
+          <a:p>
+            <a:pPr indent="0" defTabSz="914400">
+              <a:lnSpc>
+                <a:spcPct val="100000"/>
+              </a:lnSpc>
+              <a:buNone/>
+              <a:tabLst>
+                <a:tab algn="l" pos="0"/>
+              </a:tabLst>
+            </a:pPr>
+            <a:r>
+              <a:rPr b="0" lang="en-US" sz="1200" strike="noStrike" u="none">
+                <a:solidFill>
+                  <a:schemeClr val="dk1">
+                    <a:tint val="75000"/>
+                  </a:schemeClr>
+                </a:solidFill>
+                <a:effectLst/>
+                <a:uFillTx/>
+                <a:latin typeface="Calibri"/>
+              </a:rPr>
+              <a:t>&lt;дата/время&gt;</a:t>
+            </a:r>
+            <a:endParaRPr b="0" lang="ru-RU" sz="1200" strike="noStrike" u="none">
+              <a:solidFill>
+                <a:srgbClr val="000000"/>
+              </a:solidFill>
+              <a:effectLst/>
+              <a:uFillTx/>
+              <a:latin typeface="Times New Roman"/>
+            </a:endParaRPr>
+          </a:p>
+        </p:txBody>
+      </p:sp>
+      <p:sp>
+        <p:nvSpPr>
+          <p:cNvPr id="19" name="PlaceHolder 2"/>
+          <p:cNvSpPr>
+            <a:spLocks noGrp="1"/>
+          </p:cNvSpPr>
+          <p:nvPr>
+            <p:ph type="ftr" idx="11"/>
+          </p:nvPr>
+        </p:nvSpPr>
+        <p:spPr>
+          <a:xfrm>
+            <a:off x="4038480" y="6356520"/>
+            <a:ext cx="4113720" cy="363960"/>
+          </a:xfrm>
+          <a:prstGeom prst="rect">
+            <a:avLst/>
+          </a:prstGeom>
+          <a:noFill/>
+          <a:ln w="0">
+            <a:noFill/>
+          </a:ln>
+        </p:spPr>
+        <p:txBody>
+          <a:bodyPr lIns="91440" rIns="91440" tIns="45720" bIns="45720" anchor="ctr">
+            <a:noAutofit/>
+          </a:bodyPr>
+          <a:lstStyle>
+            <a:lvl1pPr indent="0" algn="ctr">
+              <a:lnSpc>
+                <a:spcPct val="100000"/>
+              </a:lnSpc>
+              <a:buNone/>
+              <a:tabLst>
+                <a:tab algn="l" pos="0"/>
+              </a:tabLst>
+              <a:defRPr b="0" lang="ru-RU" sz="1400" strike="noStrike" u="none">
+                <a:solidFill>
+                  <a:srgbClr val="000000"/>
+                </a:solidFill>
+                <a:effectLst/>
+                <a:uFillTx/>
+                <a:latin typeface="Times New Roman"/>
+              </a:defRPr>
+            </a:lvl1pPr>
+          </a:lstStyle>
+          <a:p>
+            <a:pPr indent="0" algn="ctr">
+              <a:lnSpc>
+                <a:spcPct val="100000"/>
+              </a:lnSpc>
+              <a:buNone/>
+              <a:tabLst>
+                <a:tab algn="l" pos="0"/>
+              </a:tabLst>
+            </a:pPr>
+            <a:r>
+              <a:rPr b="0" lang="ru-RU" sz="1400" strike="noStrike" u="none">
+                <a:solidFill>
+                  <a:srgbClr val="000000"/>
+                </a:solidFill>
+                <a:effectLst/>
+                <a:uFillTx/>
+                <a:latin typeface="Times New Roman"/>
+              </a:rPr>
+              <a:t>&lt;нижний колонтитул&gt;</a:t>
+            </a:r>
+            <a:endParaRPr b="0" lang="ru-RU" sz="1400" strike="noStrike" u="none">
+              <a:solidFill>
+                <a:srgbClr val="000000"/>
+              </a:solidFill>
+              <a:effectLst/>
+              <a:uFillTx/>
+              <a:latin typeface="Times New Roman"/>
+            </a:endParaRPr>
+          </a:p>
+        </p:txBody>
+      </p:sp>
+      <p:sp>
+        <p:nvSpPr>
+          <p:cNvPr id="20" name="PlaceHolder 3"/>
+          <p:cNvSpPr>
+            <a:spLocks noGrp="1"/>
+          </p:cNvSpPr>
+          <p:nvPr>
+            <p:ph type="sldNum" idx="12"/>
+          </p:nvPr>
+        </p:nvSpPr>
+        <p:spPr>
+          <a:xfrm>
+            <a:off x="8610480" y="6356520"/>
+            <a:ext cx="2742120" cy="363960"/>
+          </a:xfrm>
+          <a:prstGeom prst="rect">
+            <a:avLst/>
+          </a:prstGeom>
+          <a:noFill/>
+          <a:ln w="0">
+            <a:noFill/>
+          </a:ln>
+        </p:spPr>
+        <p:txBody>
+          <a:bodyPr lIns="91440" rIns="91440" tIns="45720" bIns="45720" anchor="ctr">
+            <a:noAutofit/>
+          </a:bodyPr>
+          <a:lstStyle>
+            <a:lvl1pPr indent="0" algn="r" defTabSz="914400">
+              <a:lnSpc>
+                <a:spcPct val="100000"/>
+              </a:lnSpc>
+              <a:buNone/>
+              <a:tabLst>
+                <a:tab algn="l" pos="0"/>
+              </a:tabLst>
+              <a:defRPr b="0" lang="en-US" sz="1200" strike="noStrike" u="none">
+                <a:solidFill>
+                  <a:schemeClr val="dk1">
+                    <a:tint val="75000"/>
+                  </a:schemeClr>
+                </a:solidFill>
+                <a:effectLst/>
+                <a:uFillTx/>
+                <a:latin typeface="Calibri"/>
+              </a:defRPr>
+            </a:lvl1pPr>
+          </a:lstStyle>
+          <a:p>
+            <a:pPr indent="0" algn="r" defTabSz="914400">
+              <a:lnSpc>
+                <a:spcPct val="100000"/>
+              </a:lnSpc>
+              <a:buNone/>
+              <a:tabLst>
+                <a:tab algn="l" pos="0"/>
+              </a:tabLst>
+            </a:pPr>
+            <a:fld id="{9C08182D-EC12-46CB-B05E-0C998E99B324}" type="slidenum">
+              <a:rPr b="0" lang="en-US" sz="1200" strike="noStrike" u="none">
+                <a:solidFill>
+                  <a:schemeClr val="dk1">
+                    <a:tint val="75000"/>
+                  </a:schemeClr>
+                </a:solidFill>
+                <a:effectLst/>
+                <a:uFillTx/>
+                <a:latin typeface="Calibri"/>
+              </a:rPr>
+              <a:t>&lt;номер&gt;</a:t>
+            </a:fld>
+            <a:endParaRPr b="0" lang="ru-RU" sz="1200" strike="noStrike" u="none">
+              <a:solidFill>
+                <a:srgbClr val="000000"/>
+              </a:solidFill>
+              <a:effectLst/>
+              <a:uFillTx/>
+              <a:latin typeface="Times New Roman"/>
+            </a:endParaRPr>
+          </a:p>
+        </p:txBody>
+      </p:sp>
+    </p:spTree>
+  </p:cSld>
+</p:sldLayout>
+</file>
+
+<file path=ppt/slideLayouts/slideLayout5.xml><?xml version="1.0" encoding="utf-8"?>
 <p:sldLayout xmlns:a="http://schemas.openxmlformats.org/drawingml/2006/main" xmlns:p="http://schemas.openxmlformats.org/presentationml/2006/main" xmlns:r="http://schemas.openxmlformats.org/officeDocument/2006/relationships" xmlns:p14="http://schemas.microsoft.com/office/powerpoint/2010/main" xmlns:p15="http://schemas.microsoft.com/office/powerpoint/2012/main" xmlns:mc="http://schemas.openxmlformats.org/markup-compatibility/2006" type="blank" preserve="1">
   <p:cSld name="Content with Caption">
     <p:bg>
@@ -1512,7 +3163,7 @@
       </p:grpSpPr>
       <p:sp>
         <p:nvSpPr>
-          <p:cNvPr id="3" name="PlaceHolder 1"/>
+          <p:cNvPr id="21" name="PlaceHolder 1"/>
           <p:cNvSpPr>
             <a:spLocks noGrp="1"/>
           </p:cNvSpPr>
@@ -1523,7 +3174,7 @@
         <p:spPr>
           <a:xfrm>
             <a:off x="839880" y="457200"/>
-            <a:ext cx="3931560" cy="1599480"/>
+            <a:ext cx="3931200" cy="1599120"/>
           </a:xfrm>
           <a:prstGeom prst="rect">
             <a:avLst/>
@@ -1571,7 +3222,7 @@
       </p:sp>
       <p:sp>
         <p:nvSpPr>
-          <p:cNvPr id="4" name="PlaceHolder 2"/>
+          <p:cNvPr id="22" name="PlaceHolder 2"/>
           <p:cNvSpPr>
             <a:spLocks noGrp="1"/>
           </p:cNvSpPr>
@@ -1582,7 +3233,7 @@
         <p:spPr>
           <a:xfrm>
             <a:off x="5183280" y="987480"/>
-            <a:ext cx="6171480" cy="4872960"/>
+            <a:ext cx="6171120" cy="4872600"/>
           </a:xfrm>
           <a:prstGeom prst="rect">
             <a:avLst/>
@@ -1770,7 +3421,7 @@
       </p:sp>
       <p:sp>
         <p:nvSpPr>
-          <p:cNvPr id="5" name="PlaceHolder 3"/>
+          <p:cNvPr id="23" name="PlaceHolder 3"/>
           <p:cNvSpPr>
             <a:spLocks noGrp="1"/>
           </p:cNvSpPr>
@@ -1781,7 +3432,7 @@
         <p:spPr>
           <a:xfrm>
             <a:off x="839880" y="2057400"/>
-            <a:ext cx="3931560" cy="3810960"/>
+            <a:ext cx="3931200" cy="3810600"/>
           </a:xfrm>
           <a:prstGeom prst="rect">
             <a:avLst/>
@@ -1832,18 +3483,18 @@
       </p:sp>
       <p:sp>
         <p:nvSpPr>
-          <p:cNvPr id="6" name="PlaceHolder 4"/>
+          <p:cNvPr id="24" name="PlaceHolder 4"/>
           <p:cNvSpPr>
             <a:spLocks noGrp="1"/>
           </p:cNvSpPr>
           <p:nvPr>
-            <p:ph type="dt" idx="4"/>
+            <p:ph type="dt" idx="13"/>
           </p:nvPr>
         </p:nvSpPr>
         <p:spPr>
           <a:xfrm>
             <a:off x="838080" y="6356520"/>
-            <a:ext cx="2742480" cy="364320"/>
+            <a:ext cx="2742120" cy="363960"/>
           </a:xfrm>
           <a:prstGeom prst="rect">
             <a:avLst/>
@@ -1914,18 +3565,18 @@
       </p:sp>
       <p:sp>
         <p:nvSpPr>
-          <p:cNvPr id="7" name="PlaceHolder 5"/>
+          <p:cNvPr id="25" name="PlaceHolder 5"/>
           <p:cNvSpPr>
             <a:spLocks noGrp="1"/>
           </p:cNvSpPr>
           <p:nvPr>
-            <p:ph type="ftr" idx="5"/>
+            <p:ph type="ftr" idx="14"/>
           </p:nvPr>
         </p:nvSpPr>
         <p:spPr>
           <a:xfrm>
             <a:off x="4038480" y="6356520"/>
-            <a:ext cx="4114080" cy="364320"/>
+            <a:ext cx="4113720" cy="363960"/>
           </a:xfrm>
           <a:prstGeom prst="rect">
             <a:avLst/>
@@ -1992,18 +3643,18 @@
       </p:sp>
       <p:sp>
         <p:nvSpPr>
-          <p:cNvPr id="8" name="PlaceHolder 6"/>
+          <p:cNvPr id="26" name="PlaceHolder 6"/>
           <p:cNvSpPr>
             <a:spLocks noGrp="1"/>
           </p:cNvSpPr>
           <p:nvPr>
-            <p:ph type="sldNum" idx="6"/>
+            <p:ph type="sldNum" idx="15"/>
           </p:nvPr>
         </p:nvSpPr>
         <p:spPr>
           <a:xfrm>
             <a:off x="8610480" y="6356520"/>
-            <a:ext cx="2742480" cy="364320"/>
+            <a:ext cx="2742120" cy="363960"/>
           </a:xfrm>
           <a:prstGeom prst="rect">
             <a:avLst/>
@@ -2048,7 +3699,7 @@
                 <a:tab algn="l" pos="0"/>
               </a:tabLst>
             </a:pPr>
-            <a:fld id="{99829854-9EF6-4D07-A287-7276D4A7BFF7}" type="slidenum">
+            <a:fld id="{F86C913E-1359-434F-8DA8-AE83D1BFD668}" type="slidenum">
               <a:rPr b="0" lang="en-US" sz="1200" strike="noStrike" u="none">
                 <a:solidFill>
                   <a:schemeClr val="dk1">
@@ -2077,7 +3728,7 @@
 </p:sldLayout>
 </file>
 
-<file path=ppt/slideLayouts/slideLayout3.xml><?xml version="1.0" encoding="utf-8"?>
+<file path=ppt/slideLayouts/slideLayout6.xml><?xml version="1.0" encoding="utf-8"?>
 <p:sldLayout xmlns:a="http://schemas.openxmlformats.org/drawingml/2006/main" xmlns:p="http://schemas.openxmlformats.org/presentationml/2006/main" xmlns:r="http://schemas.openxmlformats.org/officeDocument/2006/relationships" xmlns:p14="http://schemas.microsoft.com/office/powerpoint/2010/main" xmlns:p15="http://schemas.microsoft.com/office/powerpoint/2012/main" xmlns:mc="http://schemas.openxmlformats.org/markup-compatibility/2006" type="blank" preserve="1">
   <p:cSld name="Picture with Caption">
     <p:bg>
@@ -2103,7 +3754,7 @@
       </p:grpSpPr>
       <p:sp>
         <p:nvSpPr>
-          <p:cNvPr id="9" name="PlaceHolder 1"/>
+          <p:cNvPr id="27" name="PlaceHolder 1"/>
           <p:cNvSpPr>
             <a:spLocks noGrp="1"/>
           </p:cNvSpPr>
@@ -2114,7 +3765,7 @@
         <p:spPr>
           <a:xfrm>
             <a:off x="839880" y="457200"/>
-            <a:ext cx="3931560" cy="1599480"/>
+            <a:ext cx="3931200" cy="1599120"/>
           </a:xfrm>
           <a:prstGeom prst="rect">
             <a:avLst/>
@@ -2162,7 +3813,7 @@
       </p:sp>
       <p:sp>
         <p:nvSpPr>
-          <p:cNvPr id="10" name="PlaceHolder 2"/>
+          <p:cNvPr id="28" name="PlaceHolder 2"/>
           <p:cNvSpPr>
             <a:spLocks noGrp="1"/>
           </p:cNvSpPr>
@@ -2173,7 +3824,7 @@
         <p:spPr>
           <a:xfrm>
             <a:off x="5183280" y="987480"/>
-            <a:ext cx="6171480" cy="4872960"/>
+            <a:ext cx="6171120" cy="4872600"/>
           </a:xfrm>
           <a:prstGeom prst="rect">
             <a:avLst/>
@@ -2436,7 +4087,7 @@
       </p:sp>
       <p:sp>
         <p:nvSpPr>
-          <p:cNvPr id="11" name="PlaceHolder 3"/>
+          <p:cNvPr id="29" name="PlaceHolder 3"/>
           <p:cNvSpPr>
             <a:spLocks noGrp="1"/>
           </p:cNvSpPr>
@@ -2447,7 +4098,7 @@
         <p:spPr>
           <a:xfrm>
             <a:off x="839880" y="2057400"/>
-            <a:ext cx="3931560" cy="3810960"/>
+            <a:ext cx="3931200" cy="3810600"/>
           </a:xfrm>
           <a:prstGeom prst="rect">
             <a:avLst/>
@@ -2498,18 +4149,18 @@
       </p:sp>
       <p:sp>
         <p:nvSpPr>
-          <p:cNvPr id="12" name="PlaceHolder 4"/>
+          <p:cNvPr id="30" name="PlaceHolder 4"/>
           <p:cNvSpPr>
             <a:spLocks noGrp="1"/>
           </p:cNvSpPr>
           <p:nvPr>
-            <p:ph type="dt" idx="7"/>
+            <p:ph type="dt" idx="16"/>
           </p:nvPr>
         </p:nvSpPr>
         <p:spPr>
           <a:xfrm>
             <a:off x="838080" y="6356520"/>
-            <a:ext cx="2742480" cy="364320"/>
+            <a:ext cx="2742120" cy="363960"/>
           </a:xfrm>
           <a:prstGeom prst="rect">
             <a:avLst/>
@@ -2580,18 +4231,18 @@
       </p:sp>
       <p:sp>
         <p:nvSpPr>
-          <p:cNvPr id="13" name="PlaceHolder 5"/>
+          <p:cNvPr id="31" name="PlaceHolder 5"/>
           <p:cNvSpPr>
             <a:spLocks noGrp="1"/>
           </p:cNvSpPr>
           <p:nvPr>
-            <p:ph type="ftr" idx="8"/>
+            <p:ph type="ftr" idx="17"/>
           </p:nvPr>
         </p:nvSpPr>
         <p:spPr>
           <a:xfrm>
             <a:off x="4038480" y="6356520"/>
-            <a:ext cx="4114080" cy="364320"/>
+            <a:ext cx="4113720" cy="363960"/>
           </a:xfrm>
           <a:prstGeom prst="rect">
             <a:avLst/>
@@ -2658,18 +4309,18 @@
       </p:sp>
       <p:sp>
         <p:nvSpPr>
-          <p:cNvPr id="14" name="PlaceHolder 6"/>
+          <p:cNvPr id="32" name="PlaceHolder 6"/>
           <p:cNvSpPr>
             <a:spLocks noGrp="1"/>
           </p:cNvSpPr>
           <p:nvPr>
-            <p:ph type="sldNum" idx="9"/>
+            <p:ph type="sldNum" idx="18"/>
           </p:nvPr>
         </p:nvSpPr>
         <p:spPr>
           <a:xfrm>
             <a:off x="8610480" y="6356520"/>
-            <a:ext cx="2742480" cy="364320"/>
+            <a:ext cx="2742120" cy="363960"/>
           </a:xfrm>
           <a:prstGeom prst="rect">
             <a:avLst/>
@@ -2714,7 +4365,7 @@
                 <a:tab algn="l" pos="0"/>
               </a:tabLst>
             </a:pPr>
-            <a:fld id="{4A909267-FD0A-48F3-B8DA-C9E4A25DB00A}" type="slidenum">
+            <a:fld id="{07C83F5E-9912-4956-8D7C-36EB17CE7B4C}" type="slidenum">
               <a:rPr b="0" lang="en-US" sz="1200" strike="noStrike" u="none">
                 <a:solidFill>
                   <a:schemeClr val="dk1">
@@ -2743,7 +4394,7 @@
 </p:sldLayout>
 </file>
 
-<file path=ppt/slideLayouts/slideLayout4.xml><?xml version="1.0" encoding="utf-8"?>
+<file path=ppt/slideLayouts/slideLayout7.xml><?xml version="1.0" encoding="utf-8"?>
 <p:sldLayout xmlns:a="http://schemas.openxmlformats.org/drawingml/2006/main" xmlns:p="http://schemas.openxmlformats.org/presentationml/2006/main" xmlns:r="http://schemas.openxmlformats.org/officeDocument/2006/relationships" xmlns:p14="http://schemas.microsoft.com/office/powerpoint/2010/main" xmlns:p15="http://schemas.microsoft.com/office/powerpoint/2012/main" xmlns:mc="http://schemas.openxmlformats.org/markup-compatibility/2006" type="title" preserve="1">
   <p:cSld name="Title Slide">
     <p:bg>
@@ -2769,7 +4420,7 @@
       </p:grpSpPr>
       <p:sp>
         <p:nvSpPr>
-          <p:cNvPr id="15" name="PlaceHolder 1"/>
+          <p:cNvPr id="33" name="PlaceHolder 1"/>
           <p:cNvSpPr>
             <a:spLocks noGrp="1"/>
           </p:cNvSpPr>
@@ -2780,7 +4431,7 @@
         <p:spPr>
           <a:xfrm>
             <a:off x="1523880" y="1122480"/>
-            <a:ext cx="9143280" cy="2386800"/>
+            <a:ext cx="9142920" cy="2386440"/>
           </a:xfrm>
           <a:prstGeom prst="rect">
             <a:avLst/>
@@ -2828,18 +4479,18 @@
       </p:sp>
       <p:sp>
         <p:nvSpPr>
-          <p:cNvPr id="16" name="PlaceHolder 2"/>
+          <p:cNvPr id="34" name="PlaceHolder 2"/>
           <p:cNvSpPr>
             <a:spLocks noGrp="1"/>
           </p:cNvSpPr>
           <p:nvPr>
-            <p:ph type="dt" idx="10"/>
+            <p:ph type="dt" idx="19"/>
           </p:nvPr>
         </p:nvSpPr>
         <p:spPr>
           <a:xfrm>
             <a:off x="838080" y="6356520"/>
-            <a:ext cx="2742480" cy="364320"/>
+            <a:ext cx="2742120" cy="363960"/>
           </a:xfrm>
           <a:prstGeom prst="rect">
             <a:avLst/>
@@ -2910,18 +4561,18 @@
       </p:sp>
       <p:sp>
         <p:nvSpPr>
-          <p:cNvPr id="17" name="PlaceHolder 3"/>
+          <p:cNvPr id="35" name="PlaceHolder 3"/>
           <p:cNvSpPr>
             <a:spLocks noGrp="1"/>
           </p:cNvSpPr>
           <p:nvPr>
-            <p:ph type="ftr" idx="11"/>
+            <p:ph type="ftr" idx="20"/>
           </p:nvPr>
         </p:nvSpPr>
         <p:spPr>
           <a:xfrm>
             <a:off x="4038480" y="6356520"/>
-            <a:ext cx="4114080" cy="364320"/>
+            <a:ext cx="4113720" cy="363960"/>
           </a:xfrm>
           <a:prstGeom prst="rect">
             <a:avLst/>
@@ -2988,18 +4639,18 @@
       </p:sp>
       <p:sp>
         <p:nvSpPr>
-          <p:cNvPr id="18" name="PlaceHolder 4"/>
+          <p:cNvPr id="36" name="PlaceHolder 4"/>
           <p:cNvSpPr>
             <a:spLocks noGrp="1"/>
           </p:cNvSpPr>
           <p:nvPr>
-            <p:ph type="sldNum" idx="12"/>
+            <p:ph type="sldNum" idx="21"/>
           </p:nvPr>
         </p:nvSpPr>
         <p:spPr>
           <a:xfrm>
             <a:off x="8610480" y="6356520"/>
-            <a:ext cx="2742480" cy="364320"/>
+            <a:ext cx="2742120" cy="363960"/>
           </a:xfrm>
           <a:prstGeom prst="rect">
             <a:avLst/>
@@ -3044,7 +4695,7 @@
                 <a:tab algn="l" pos="0"/>
               </a:tabLst>
             </a:pPr>
-            <a:fld id="{880914DC-9D31-42CC-8A2F-A6E6545CE60F}" type="slidenum">
+            <a:fld id="{7489F6DE-EA7F-46C5-BBF8-8145D28E3261}" type="slidenum">
               <a:rPr b="0" lang="en-US" sz="1200" strike="noStrike" u="none">
                 <a:solidFill>
                   <a:schemeClr val="dk1">
@@ -3070,7 +4721,7 @@
       </p:sp>
       <p:sp>
         <p:nvSpPr>
-          <p:cNvPr id="19" name="PlaceHolder 5"/>
+          <p:cNvPr id="37" name="PlaceHolder 5"/>
           <p:cNvSpPr>
             <a:spLocks noGrp="1"/>
           </p:cNvSpPr>
@@ -3081,7 +4732,7 @@
         <p:spPr>
           <a:xfrm>
             <a:off x="609480" y="1604520"/>
-            <a:ext cx="10972080" cy="3976920"/>
+            <a:ext cx="10971720" cy="3976560"/>
           </a:xfrm>
           <a:prstGeom prst="rect">
             <a:avLst/>
@@ -3347,7 +4998,7 @@
 </p:sldLayout>
 </file>
 
-<file path=ppt/slideLayouts/slideLayout5.xml><?xml version="1.0" encoding="utf-8"?>
+<file path=ppt/slideLayouts/slideLayout8.xml><?xml version="1.0" encoding="utf-8"?>
 <p:sldLayout xmlns:a="http://schemas.openxmlformats.org/drawingml/2006/main" xmlns:p="http://schemas.openxmlformats.org/presentationml/2006/main" xmlns:r="http://schemas.openxmlformats.org/officeDocument/2006/relationships" xmlns:p14="http://schemas.microsoft.com/office/powerpoint/2010/main" xmlns:p15="http://schemas.microsoft.com/office/powerpoint/2012/main" xmlns:mc="http://schemas.openxmlformats.org/markup-compatibility/2006" type="vertTx" preserve="1">
   <p:cSld name="Title and Vertical Text">
     <p:bg>
@@ -3373,7 +5024,7 @@
       </p:grpSpPr>
       <p:sp>
         <p:nvSpPr>
-          <p:cNvPr id="20" name="PlaceHolder 1"/>
+          <p:cNvPr id="38" name="PlaceHolder 1"/>
           <p:cNvSpPr>
             <a:spLocks noGrp="1"/>
           </p:cNvSpPr>
@@ -3384,7 +5035,7 @@
         <p:spPr>
           <a:xfrm>
             <a:off x="838080" y="365040"/>
-            <a:ext cx="10514880" cy="1324800"/>
+            <a:ext cx="10514520" cy="1324440"/>
           </a:xfrm>
           <a:prstGeom prst="rect">
             <a:avLst/>
@@ -3432,7 +5083,7 @@
       </p:sp>
       <p:sp>
         <p:nvSpPr>
-          <p:cNvPr id="21" name="PlaceHolder 2"/>
+          <p:cNvPr id="39" name="PlaceHolder 2"/>
           <p:cNvSpPr>
             <a:spLocks noGrp="1"/>
           </p:cNvSpPr>
@@ -3443,7 +5094,7 @@
         <p:spPr>
           <a:xfrm>
             <a:off x="838080" y="1825560"/>
-            <a:ext cx="10514880" cy="4350600"/>
+            <a:ext cx="10514520" cy="4350240"/>
           </a:xfrm>
           <a:prstGeom prst="rect">
             <a:avLst/>
@@ -3631,18 +5282,18 @@
       </p:sp>
       <p:sp>
         <p:nvSpPr>
-          <p:cNvPr id="22" name="PlaceHolder 3"/>
+          <p:cNvPr id="40" name="PlaceHolder 3"/>
           <p:cNvSpPr>
             <a:spLocks noGrp="1"/>
           </p:cNvSpPr>
           <p:nvPr>
-            <p:ph type="dt" idx="13"/>
+            <p:ph type="dt" idx="22"/>
           </p:nvPr>
         </p:nvSpPr>
         <p:spPr>
           <a:xfrm>
             <a:off x="838080" y="6356520"/>
-            <a:ext cx="2742480" cy="364320"/>
+            <a:ext cx="2742120" cy="363960"/>
           </a:xfrm>
           <a:prstGeom prst="rect">
             <a:avLst/>
@@ -3713,18 +5364,18 @@
       </p:sp>
       <p:sp>
         <p:nvSpPr>
-          <p:cNvPr id="23" name="PlaceHolder 4"/>
+          <p:cNvPr id="41" name="PlaceHolder 4"/>
           <p:cNvSpPr>
             <a:spLocks noGrp="1"/>
           </p:cNvSpPr>
           <p:nvPr>
-            <p:ph type="ftr" idx="14"/>
+            <p:ph type="ftr" idx="23"/>
           </p:nvPr>
         </p:nvSpPr>
         <p:spPr>
           <a:xfrm>
             <a:off x="4038480" y="6356520"/>
-            <a:ext cx="4114080" cy="364320"/>
+            <a:ext cx="4113720" cy="363960"/>
           </a:xfrm>
           <a:prstGeom prst="rect">
             <a:avLst/>
@@ -3791,18 +5442,18 @@
       </p:sp>
       <p:sp>
         <p:nvSpPr>
-          <p:cNvPr id="24" name="PlaceHolder 5"/>
+          <p:cNvPr id="42" name="PlaceHolder 5"/>
           <p:cNvSpPr>
             <a:spLocks noGrp="1"/>
           </p:cNvSpPr>
           <p:nvPr>
-            <p:ph type="sldNum" idx="15"/>
+            <p:ph type="sldNum" idx="24"/>
           </p:nvPr>
         </p:nvSpPr>
         <p:spPr>
           <a:xfrm>
             <a:off x="8610480" y="6356520"/>
-            <a:ext cx="2742480" cy="364320"/>
+            <a:ext cx="2742120" cy="363960"/>
           </a:xfrm>
           <a:prstGeom prst="rect">
             <a:avLst/>
@@ -3847,7 +5498,7 @@
                 <a:tab algn="l" pos="0"/>
               </a:tabLst>
             </a:pPr>
-            <a:fld id="{FAC359E0-9EB2-4C03-9334-2E9D180570AB}" type="slidenum">
+            <a:fld id="{9087A3F4-EF6F-4F01-92A6-51F4942F9A19}" type="slidenum">
               <a:rPr b="0" lang="en-US" sz="1200" strike="noStrike" u="none">
                 <a:solidFill>
                   <a:schemeClr val="dk1">
@@ -3876,7 +5527,7 @@
 </p:sldLayout>
 </file>
 
-<file path=ppt/slideLayouts/slideLayout6.xml><?xml version="1.0" encoding="utf-8"?>
+<file path=ppt/slideLayouts/slideLayout9.xml><?xml version="1.0" encoding="utf-8"?>
 <p:sldLayout xmlns:a="http://schemas.openxmlformats.org/drawingml/2006/main" xmlns:p="http://schemas.openxmlformats.org/presentationml/2006/main" xmlns:r="http://schemas.openxmlformats.org/officeDocument/2006/relationships" xmlns:p14="http://schemas.microsoft.com/office/powerpoint/2010/main" xmlns:p15="http://schemas.microsoft.com/office/powerpoint/2012/main" xmlns:mc="http://schemas.openxmlformats.org/markup-compatibility/2006" type="vertTitleAndTx" preserve="1">
   <p:cSld name="Vertical Title and Text">
     <p:bg>
@@ -3902,7 +5553,7 @@
       </p:grpSpPr>
       <p:sp>
         <p:nvSpPr>
-          <p:cNvPr id="25" name="PlaceHolder 1"/>
+          <p:cNvPr id="43" name="PlaceHolder 1"/>
           <p:cNvSpPr>
             <a:spLocks noGrp="1"/>
           </p:cNvSpPr>
@@ -3913,7 +5564,7 @@
         <p:spPr>
           <a:xfrm>
             <a:off x="8724960" y="365040"/>
-            <a:ext cx="2628360" cy="5811120"/>
+            <a:ext cx="2628000" cy="5810760"/>
           </a:xfrm>
           <a:prstGeom prst="rect">
             <a:avLst/>
@@ -3961,7 +5612,7 @@
       </p:sp>
       <p:sp>
         <p:nvSpPr>
-          <p:cNvPr id="26" name="PlaceHolder 2"/>
+          <p:cNvPr id="44" name="PlaceHolder 2"/>
           <p:cNvSpPr>
             <a:spLocks noGrp="1"/>
           </p:cNvSpPr>
@@ -3972,7 +5623,7 @@
         <p:spPr>
           <a:xfrm>
             <a:off x="838080" y="365040"/>
-            <a:ext cx="7733520" cy="5811120"/>
+            <a:ext cx="7733160" cy="5810760"/>
           </a:xfrm>
           <a:prstGeom prst="rect">
             <a:avLst/>
@@ -4160,18 +5811,18 @@
       </p:sp>
       <p:sp>
         <p:nvSpPr>
-          <p:cNvPr id="27" name="PlaceHolder 3"/>
+          <p:cNvPr id="45" name="PlaceHolder 3"/>
           <p:cNvSpPr>
             <a:spLocks noGrp="1"/>
           </p:cNvSpPr>
           <p:nvPr>
-            <p:ph type="dt" idx="16"/>
+            <p:ph type="dt" idx="25"/>
           </p:nvPr>
         </p:nvSpPr>
         <p:spPr>
           <a:xfrm>
             <a:off x="838080" y="6356520"/>
-            <a:ext cx="2742480" cy="364320"/>
+            <a:ext cx="2742120" cy="363960"/>
           </a:xfrm>
           <a:prstGeom prst="rect">
             <a:avLst/>
@@ -4242,18 +5893,18 @@
       </p:sp>
       <p:sp>
         <p:nvSpPr>
-          <p:cNvPr id="28" name="PlaceHolder 4"/>
+          <p:cNvPr id="46" name="PlaceHolder 4"/>
           <p:cNvSpPr>
             <a:spLocks noGrp="1"/>
           </p:cNvSpPr>
           <p:nvPr>
-            <p:ph type="ftr" idx="17"/>
+            <p:ph type="ftr" idx="26"/>
           </p:nvPr>
         </p:nvSpPr>
         <p:spPr>
           <a:xfrm>
             <a:off x="4038480" y="6356520"/>
-            <a:ext cx="4114080" cy="364320"/>
+            <a:ext cx="4113720" cy="363960"/>
           </a:xfrm>
           <a:prstGeom prst="rect">
             <a:avLst/>
@@ -4320,18 +5971,18 @@
       </p:sp>
       <p:sp>
         <p:nvSpPr>
-          <p:cNvPr id="29" name="PlaceHolder 5"/>
+          <p:cNvPr id="47" name="PlaceHolder 5"/>
           <p:cNvSpPr>
             <a:spLocks noGrp="1"/>
           </p:cNvSpPr>
           <p:nvPr>
-            <p:ph type="sldNum" idx="18"/>
+            <p:ph type="sldNum" idx="27"/>
           </p:nvPr>
         </p:nvSpPr>
         <p:spPr>
           <a:xfrm>
             <a:off x="8610480" y="6356520"/>
-            <a:ext cx="2742480" cy="364320"/>
+            <a:ext cx="2742120" cy="363960"/>
           </a:xfrm>
           <a:prstGeom prst="rect">
             <a:avLst/>
@@ -4376,1658 +6027,7 @@
                 <a:tab algn="l" pos="0"/>
               </a:tabLst>
             </a:pPr>
-            <a:fld id="{8820D62A-6369-43D9-A0A4-2714D8F1E3C9}" type="slidenum">
-              <a:rPr b="0" lang="en-US" sz="1200" strike="noStrike" u="none">
-                <a:solidFill>
-                  <a:schemeClr val="dk1">
-                    <a:tint val="75000"/>
-                  </a:schemeClr>
-                </a:solidFill>
-                <a:effectLst/>
-                <a:uFillTx/>
-                <a:latin typeface="Calibri"/>
-              </a:rPr>
-              <a:t>&lt;номер&gt;</a:t>
-            </a:fld>
-            <a:endParaRPr b="0" lang="ru-RU" sz="1200" strike="noStrike" u="none">
-              <a:solidFill>
-                <a:srgbClr val="000000"/>
-              </a:solidFill>
-              <a:effectLst/>
-              <a:uFillTx/>
-              <a:latin typeface="Times New Roman"/>
-            </a:endParaRPr>
-          </a:p>
-        </p:txBody>
-      </p:sp>
-    </p:spTree>
-  </p:cSld>
-</p:sldLayout>
-</file>
-
-<file path=ppt/slideLayouts/slideLayout7.xml><?xml version="1.0" encoding="utf-8"?>
-<p:sldLayout xmlns:a="http://schemas.openxmlformats.org/drawingml/2006/main" xmlns:p="http://schemas.openxmlformats.org/presentationml/2006/main" xmlns:r="http://schemas.openxmlformats.org/officeDocument/2006/relationships" xmlns:p14="http://schemas.microsoft.com/office/powerpoint/2010/main" xmlns:p15="http://schemas.microsoft.com/office/powerpoint/2012/main" xmlns:mc="http://schemas.openxmlformats.org/markup-compatibility/2006" type="obj" preserve="1">
-  <p:cSld name="Title and Content">
-    <p:bg>
-      <p:bgPr>
-        <a:solidFill>
-          <a:srgbClr val="ffffff"/>
-        </a:solidFill>
-      </p:bgPr>
-    </p:bg>
-    <p:spTree>
-      <p:nvGrpSpPr>
-        <p:cNvPr id="1" name=""/>
-        <p:cNvGrpSpPr/>
-        <p:nvPr/>
-      </p:nvGrpSpPr>
-      <p:grpSpPr>
-        <a:xfrm>
-          <a:off x="0" y="0"/>
-          <a:ext cx="0" cy="0"/>
-          <a:chOff x="0" y="0"/>
-          <a:chExt cx="0" cy="0"/>
-        </a:xfrm>
-      </p:grpSpPr>
-      <p:sp>
-        <p:nvSpPr>
-          <p:cNvPr id="30" name="PlaceHolder 1"/>
-          <p:cNvSpPr>
-            <a:spLocks noGrp="1"/>
-          </p:cNvSpPr>
-          <p:nvPr>
-            <p:ph type="title"/>
-          </p:nvPr>
-        </p:nvSpPr>
-        <p:spPr>
-          <a:xfrm>
-            <a:off x="838080" y="365040"/>
-            <a:ext cx="10514880" cy="1324800"/>
-          </a:xfrm>
-          <a:prstGeom prst="rect">
-            <a:avLst/>
-          </a:prstGeom>
-          <a:noFill/>
-          <a:ln w="0">
-            <a:noFill/>
-          </a:ln>
-        </p:spPr>
-        <p:txBody>
-          <a:bodyPr lIns="91440" rIns="91440" tIns="45720" bIns="45720" anchor="ctr">
-            <a:noAutofit/>
-          </a:bodyPr>
-          <a:p>
-            <a:pPr indent="0" defTabSz="914400">
-              <a:lnSpc>
-                <a:spcPct val="90000"/>
-              </a:lnSpc>
-              <a:buNone/>
-              <a:tabLst>
-                <a:tab algn="l" pos="0"/>
-              </a:tabLst>
-            </a:pPr>
-            <a:r>
-              <a:rPr b="0" lang="en-US" sz="4400" strike="noStrike" u="none">
-                <a:solidFill>
-                  <a:schemeClr val="dk1"/>
-                </a:solidFill>
-                <a:effectLst/>
-                <a:uFillTx/>
-                <a:latin typeface="Calibri Light"/>
-              </a:rPr>
-              <a:t>Click to edit Master title style</a:t>
-            </a:r>
-            <a:endParaRPr b="0" lang="ru-RU" sz="4400" strike="noStrike" u="none">
-              <a:solidFill>
-                <a:srgbClr val="000000"/>
-              </a:solidFill>
-              <a:effectLst/>
-              <a:uFillTx/>
-              <a:latin typeface="Arial"/>
-            </a:endParaRPr>
-          </a:p>
-        </p:txBody>
-      </p:sp>
-      <p:sp>
-        <p:nvSpPr>
-          <p:cNvPr id="31" name="PlaceHolder 2"/>
-          <p:cNvSpPr>
-            <a:spLocks noGrp="1"/>
-          </p:cNvSpPr>
-          <p:nvPr>
-            <p:ph type="body"/>
-          </p:nvPr>
-        </p:nvSpPr>
-        <p:spPr>
-          <a:xfrm>
-            <a:off x="838080" y="1825560"/>
-            <a:ext cx="10514880" cy="4350600"/>
-          </a:xfrm>
-          <a:prstGeom prst="rect">
-            <a:avLst/>
-          </a:prstGeom>
-          <a:noFill/>
-          <a:ln w="0">
-            <a:noFill/>
-          </a:ln>
-        </p:spPr>
-        <p:txBody>
-          <a:bodyPr lIns="91440" rIns="91440" tIns="45720" bIns="45720" anchor="t">
-            <a:noAutofit/>
-          </a:bodyPr>
-          <a:p>
-            <a:pPr marL="228600" indent="-228600" defTabSz="914400">
-              <a:lnSpc>
-                <a:spcPct val="90000"/>
-              </a:lnSpc>
-              <a:spcBef>
-                <a:spcPts val="1001"/>
-              </a:spcBef>
-              <a:buClr>
-                <a:srgbClr val="000000"/>
-              </a:buClr>
-              <a:buFont typeface="Arial"/>
-              <a:buChar char="•"/>
-            </a:pPr>
-            <a:r>
-              <a:rPr b="0" lang="en-US" sz="2800" strike="noStrike" u="none">
-                <a:solidFill>
-                  <a:schemeClr val="dk1"/>
-                </a:solidFill>
-                <a:effectLst/>
-                <a:uFillTx/>
-                <a:latin typeface="Calibri"/>
-              </a:rPr>
-              <a:t>Click to edit Master text styles</a:t>
-            </a:r>
-            <a:endParaRPr b="0" lang="ru-RU" sz="2800" strike="noStrike" u="none">
-              <a:solidFill>
-                <a:srgbClr val="000000"/>
-              </a:solidFill>
-              <a:effectLst/>
-              <a:uFillTx/>
-              <a:latin typeface="Arial"/>
-            </a:endParaRPr>
-          </a:p>
-          <a:p>
-            <a:pPr lvl="1" marL="685800" indent="-228600" defTabSz="914400">
-              <a:lnSpc>
-                <a:spcPct val="90000"/>
-              </a:lnSpc>
-              <a:spcBef>
-                <a:spcPts val="499"/>
-              </a:spcBef>
-              <a:buClr>
-                <a:srgbClr val="000000"/>
-              </a:buClr>
-              <a:buFont typeface="Arial"/>
-              <a:buChar char="•"/>
-            </a:pPr>
-            <a:r>
-              <a:rPr b="0" lang="en-US" sz="2400" strike="noStrike" u="none">
-                <a:solidFill>
-                  <a:schemeClr val="dk1"/>
-                </a:solidFill>
-                <a:effectLst/>
-                <a:uFillTx/>
-                <a:latin typeface="Calibri"/>
-              </a:rPr>
-              <a:t>Second level</a:t>
-            </a:r>
-            <a:endParaRPr b="0" lang="ru-RU" sz="2400" strike="noStrike" u="none">
-              <a:solidFill>
-                <a:srgbClr val="000000"/>
-              </a:solidFill>
-              <a:effectLst/>
-              <a:uFillTx/>
-              <a:latin typeface="Arial"/>
-            </a:endParaRPr>
-          </a:p>
-          <a:p>
-            <a:pPr lvl="2" marL="1143000" indent="-228600" defTabSz="914400">
-              <a:lnSpc>
-                <a:spcPct val="90000"/>
-              </a:lnSpc>
-              <a:spcBef>
-                <a:spcPts val="499"/>
-              </a:spcBef>
-              <a:buClr>
-                <a:srgbClr val="000000"/>
-              </a:buClr>
-              <a:buFont typeface="Arial"/>
-              <a:buChar char="•"/>
-            </a:pPr>
-            <a:r>
-              <a:rPr b="0" lang="en-US" sz="2000" strike="noStrike" u="none">
-                <a:solidFill>
-                  <a:schemeClr val="dk1"/>
-                </a:solidFill>
-                <a:effectLst/>
-                <a:uFillTx/>
-                <a:latin typeface="Calibri"/>
-              </a:rPr>
-              <a:t>Third level</a:t>
-            </a:r>
-            <a:endParaRPr b="0" lang="ru-RU" sz="2000" strike="noStrike" u="none">
-              <a:solidFill>
-                <a:srgbClr val="000000"/>
-              </a:solidFill>
-              <a:effectLst/>
-              <a:uFillTx/>
-              <a:latin typeface="Arial"/>
-            </a:endParaRPr>
-          </a:p>
-          <a:p>
-            <a:pPr lvl="3" marL="1600200" indent="-228600" defTabSz="914400">
-              <a:lnSpc>
-                <a:spcPct val="90000"/>
-              </a:lnSpc>
-              <a:spcBef>
-                <a:spcPts val="499"/>
-              </a:spcBef>
-              <a:buClr>
-                <a:srgbClr val="000000"/>
-              </a:buClr>
-              <a:buFont typeface="Arial"/>
-              <a:buChar char="•"/>
-            </a:pPr>
-            <a:r>
-              <a:rPr b="0" lang="en-US" sz="1800" strike="noStrike" u="none">
-                <a:solidFill>
-                  <a:schemeClr val="dk1"/>
-                </a:solidFill>
-                <a:effectLst/>
-                <a:uFillTx/>
-                <a:latin typeface="Calibri"/>
-              </a:rPr>
-              <a:t>Fourth level</a:t>
-            </a:r>
-            <a:endParaRPr b="0" lang="ru-RU" sz="1800" strike="noStrike" u="none">
-              <a:solidFill>
-                <a:srgbClr val="000000"/>
-              </a:solidFill>
-              <a:effectLst/>
-              <a:uFillTx/>
-              <a:latin typeface="Arial"/>
-            </a:endParaRPr>
-          </a:p>
-          <a:p>
-            <a:pPr lvl="4" marL="2057400" indent="-228600" defTabSz="914400">
-              <a:lnSpc>
-                <a:spcPct val="90000"/>
-              </a:lnSpc>
-              <a:spcBef>
-                <a:spcPts val="499"/>
-              </a:spcBef>
-              <a:buClr>
-                <a:srgbClr val="000000"/>
-              </a:buClr>
-              <a:buFont typeface="Arial"/>
-              <a:buChar char="•"/>
-            </a:pPr>
-            <a:r>
-              <a:rPr b="0" lang="en-US" sz="1800" strike="noStrike" u="none">
-                <a:solidFill>
-                  <a:schemeClr val="dk1"/>
-                </a:solidFill>
-                <a:effectLst/>
-                <a:uFillTx/>
-                <a:latin typeface="Calibri"/>
-              </a:rPr>
-              <a:t>Fifth level</a:t>
-            </a:r>
-            <a:endParaRPr b="0" lang="ru-RU" sz="1800" strike="noStrike" u="none">
-              <a:solidFill>
-                <a:srgbClr val="000000"/>
-              </a:solidFill>
-              <a:effectLst/>
-              <a:uFillTx/>
-              <a:latin typeface="Arial"/>
-            </a:endParaRPr>
-          </a:p>
-        </p:txBody>
-      </p:sp>
-      <p:sp>
-        <p:nvSpPr>
-          <p:cNvPr id="32" name="PlaceHolder 3"/>
-          <p:cNvSpPr>
-            <a:spLocks noGrp="1"/>
-          </p:cNvSpPr>
-          <p:nvPr>
-            <p:ph type="dt" idx="19"/>
-          </p:nvPr>
-        </p:nvSpPr>
-        <p:spPr>
-          <a:xfrm>
-            <a:off x="838080" y="6356520"/>
-            <a:ext cx="2742480" cy="364320"/>
-          </a:xfrm>
-          <a:prstGeom prst="rect">
-            <a:avLst/>
-          </a:prstGeom>
-          <a:noFill/>
-          <a:ln w="0">
-            <a:noFill/>
-          </a:ln>
-        </p:spPr>
-        <p:txBody>
-          <a:bodyPr lIns="91440" rIns="91440" tIns="45720" bIns="45720" anchor="ctr">
-            <a:noAutofit/>
-          </a:bodyPr>
-          <a:lstStyle>
-            <a:lvl1pPr indent="0" defTabSz="914400">
-              <a:lnSpc>
-                <a:spcPct val="100000"/>
-              </a:lnSpc>
-              <a:buNone/>
-              <a:tabLst>
-                <a:tab algn="l" pos="0"/>
-              </a:tabLst>
-              <a:defRPr b="0" lang="en-US" sz="1200" strike="noStrike" u="none">
-                <a:solidFill>
-                  <a:schemeClr val="dk1">
-                    <a:tint val="75000"/>
-                  </a:schemeClr>
-                </a:solidFill>
-                <a:effectLst/>
-                <a:uFillTx/>
-                <a:latin typeface="Calibri"/>
-              </a:defRPr>
-            </a:lvl1pPr>
-          </a:lstStyle>
-          <a:p>
-            <a:pPr indent="0" defTabSz="914400">
-              <a:lnSpc>
-                <a:spcPct val="100000"/>
-              </a:lnSpc>
-              <a:buNone/>
-              <a:tabLst>
-                <a:tab algn="l" pos="0"/>
-              </a:tabLst>
-            </a:pPr>
-            <a:r>
-              <a:rPr b="0" lang="en-US" sz="1200" strike="noStrike" u="none">
-                <a:solidFill>
-                  <a:schemeClr val="dk1">
-                    <a:tint val="75000"/>
-                  </a:schemeClr>
-                </a:solidFill>
-                <a:effectLst/>
-                <a:uFillTx/>
-                <a:latin typeface="Calibri"/>
-              </a:rPr>
-              <a:t>&lt;дата/время&gt;</a:t>
-            </a:r>
-            <a:endParaRPr b="0" lang="ru-RU" sz="1200" strike="noStrike" u="none">
-              <a:solidFill>
-                <a:srgbClr val="000000"/>
-              </a:solidFill>
-              <a:effectLst/>
-              <a:uFillTx/>
-              <a:latin typeface="Times New Roman"/>
-            </a:endParaRPr>
-          </a:p>
-        </p:txBody>
-      </p:sp>
-      <p:sp>
-        <p:nvSpPr>
-          <p:cNvPr id="33" name="PlaceHolder 4"/>
-          <p:cNvSpPr>
-            <a:spLocks noGrp="1"/>
-          </p:cNvSpPr>
-          <p:nvPr>
-            <p:ph type="ftr" idx="20"/>
-          </p:nvPr>
-        </p:nvSpPr>
-        <p:spPr>
-          <a:xfrm>
-            <a:off x="4038480" y="6356520"/>
-            <a:ext cx="4114080" cy="364320"/>
-          </a:xfrm>
-          <a:prstGeom prst="rect">
-            <a:avLst/>
-          </a:prstGeom>
-          <a:noFill/>
-          <a:ln w="0">
-            <a:noFill/>
-          </a:ln>
-        </p:spPr>
-        <p:txBody>
-          <a:bodyPr lIns="91440" rIns="91440" tIns="45720" bIns="45720" anchor="ctr">
-            <a:noAutofit/>
-          </a:bodyPr>
-          <a:lstStyle>
-            <a:lvl1pPr indent="0" algn="ctr">
-              <a:lnSpc>
-                <a:spcPct val="100000"/>
-              </a:lnSpc>
-              <a:buNone/>
-              <a:tabLst>
-                <a:tab algn="l" pos="0"/>
-              </a:tabLst>
-              <a:defRPr b="0" lang="ru-RU" sz="1400" strike="noStrike" u="none">
-                <a:solidFill>
-                  <a:srgbClr val="000000"/>
-                </a:solidFill>
-                <a:effectLst/>
-                <a:uFillTx/>
-                <a:latin typeface="Times New Roman"/>
-              </a:defRPr>
-            </a:lvl1pPr>
-          </a:lstStyle>
-          <a:p>
-            <a:pPr indent="0" algn="ctr">
-              <a:lnSpc>
-                <a:spcPct val="100000"/>
-              </a:lnSpc>
-              <a:buNone/>
-              <a:tabLst>
-                <a:tab algn="l" pos="0"/>
-              </a:tabLst>
-            </a:pPr>
-            <a:r>
-              <a:rPr b="0" lang="ru-RU" sz="1400" strike="noStrike" u="none">
-                <a:solidFill>
-                  <a:srgbClr val="000000"/>
-                </a:solidFill>
-                <a:effectLst/>
-                <a:uFillTx/>
-                <a:latin typeface="Times New Roman"/>
-              </a:rPr>
-              <a:t>&lt;нижний колонтитул&gt;</a:t>
-            </a:r>
-            <a:endParaRPr b="0" lang="ru-RU" sz="1400" strike="noStrike" u="none">
-              <a:solidFill>
-                <a:srgbClr val="000000"/>
-              </a:solidFill>
-              <a:effectLst/>
-              <a:uFillTx/>
-              <a:latin typeface="Times New Roman"/>
-            </a:endParaRPr>
-          </a:p>
-        </p:txBody>
-      </p:sp>
-      <p:sp>
-        <p:nvSpPr>
-          <p:cNvPr id="34" name="PlaceHolder 5"/>
-          <p:cNvSpPr>
-            <a:spLocks noGrp="1"/>
-          </p:cNvSpPr>
-          <p:nvPr>
-            <p:ph type="sldNum" idx="21"/>
-          </p:nvPr>
-        </p:nvSpPr>
-        <p:spPr>
-          <a:xfrm>
-            <a:off x="8610480" y="6356520"/>
-            <a:ext cx="2742480" cy="364320"/>
-          </a:xfrm>
-          <a:prstGeom prst="rect">
-            <a:avLst/>
-          </a:prstGeom>
-          <a:noFill/>
-          <a:ln w="0">
-            <a:noFill/>
-          </a:ln>
-        </p:spPr>
-        <p:txBody>
-          <a:bodyPr lIns="91440" rIns="91440" tIns="45720" bIns="45720" anchor="ctr">
-            <a:noAutofit/>
-          </a:bodyPr>
-          <a:lstStyle>
-            <a:lvl1pPr indent="0" algn="r" defTabSz="914400">
-              <a:lnSpc>
-                <a:spcPct val="100000"/>
-              </a:lnSpc>
-              <a:buNone/>
-              <a:tabLst>
-                <a:tab algn="l" pos="0"/>
-              </a:tabLst>
-              <a:defRPr b="0" lang="en-US" sz="1200" strike="noStrike" u="none">
-                <a:solidFill>
-                  <a:schemeClr val="dk1">
-                    <a:tint val="75000"/>
-                  </a:schemeClr>
-                </a:solidFill>
-                <a:effectLst/>
-                <a:uFillTx/>
-                <a:latin typeface="Calibri"/>
-              </a:defRPr>
-            </a:lvl1pPr>
-          </a:lstStyle>
-          <a:p>
-            <a:pPr indent="0" algn="r" defTabSz="914400">
-              <a:lnSpc>
-                <a:spcPct val="100000"/>
-              </a:lnSpc>
-              <a:buNone/>
-              <a:tabLst>
-                <a:tab algn="l" pos="0"/>
-              </a:tabLst>
-            </a:pPr>
-            <a:fld id="{E1BB3D74-8D11-4D28-BCCE-C1A602EC653C}" type="slidenum">
-              <a:rPr b="0" lang="en-US" sz="1200" strike="noStrike" u="none">
-                <a:solidFill>
-                  <a:schemeClr val="dk1">
-                    <a:tint val="75000"/>
-                  </a:schemeClr>
-                </a:solidFill>
-                <a:effectLst/>
-                <a:uFillTx/>
-                <a:latin typeface="Calibri"/>
-              </a:rPr>
-              <a:t>&lt;номер&gt;</a:t>
-            </a:fld>
-            <a:endParaRPr b="0" lang="ru-RU" sz="1200" strike="noStrike" u="none">
-              <a:solidFill>
-                <a:srgbClr val="000000"/>
-              </a:solidFill>
-              <a:effectLst/>
-              <a:uFillTx/>
-              <a:latin typeface="Times New Roman"/>
-            </a:endParaRPr>
-          </a:p>
-        </p:txBody>
-      </p:sp>
-    </p:spTree>
-  </p:cSld>
-</p:sldLayout>
-</file>
-
-<file path=ppt/slideLayouts/slideLayout8.xml><?xml version="1.0" encoding="utf-8"?>
-<p:sldLayout xmlns:a="http://schemas.openxmlformats.org/drawingml/2006/main" xmlns:p="http://schemas.openxmlformats.org/presentationml/2006/main" xmlns:r="http://schemas.openxmlformats.org/officeDocument/2006/relationships" xmlns:p14="http://schemas.microsoft.com/office/powerpoint/2010/main" xmlns:p15="http://schemas.microsoft.com/office/powerpoint/2012/main" xmlns:mc="http://schemas.openxmlformats.org/markup-compatibility/2006" type="blank" preserve="1">
-  <p:cSld name="Section Header">
-    <p:bg>
-      <p:bgPr>
-        <a:solidFill>
-          <a:srgbClr val="ffffff"/>
-        </a:solidFill>
-      </p:bgPr>
-    </p:bg>
-    <p:spTree>
-      <p:nvGrpSpPr>
-        <p:cNvPr id="1" name=""/>
-        <p:cNvGrpSpPr/>
-        <p:nvPr/>
-      </p:nvGrpSpPr>
-      <p:grpSpPr>
-        <a:xfrm>
-          <a:off x="0" y="0"/>
-          <a:ext cx="0" cy="0"/>
-          <a:chOff x="0" y="0"/>
-          <a:chExt cx="0" cy="0"/>
-        </a:xfrm>
-      </p:grpSpPr>
-      <p:sp>
-        <p:nvSpPr>
-          <p:cNvPr id="35" name="PlaceHolder 1"/>
-          <p:cNvSpPr>
-            <a:spLocks noGrp="1"/>
-          </p:cNvSpPr>
-          <p:nvPr>
-            <p:ph type="title"/>
-          </p:nvPr>
-        </p:nvSpPr>
-        <p:spPr>
-          <a:xfrm>
-            <a:off x="831960" y="1709640"/>
-            <a:ext cx="10514880" cy="2851920"/>
-          </a:xfrm>
-          <a:prstGeom prst="rect">
-            <a:avLst/>
-          </a:prstGeom>
-          <a:noFill/>
-          <a:ln w="0">
-            <a:noFill/>
-          </a:ln>
-        </p:spPr>
-        <p:txBody>
-          <a:bodyPr lIns="91440" rIns="91440" tIns="45720" bIns="45720" anchor="b">
-            <a:noAutofit/>
-          </a:bodyPr>
-          <a:p>
-            <a:pPr indent="0" defTabSz="914400">
-              <a:lnSpc>
-                <a:spcPct val="90000"/>
-              </a:lnSpc>
-              <a:buNone/>
-              <a:tabLst>
-                <a:tab algn="l" pos="0"/>
-              </a:tabLst>
-            </a:pPr>
-            <a:r>
-              <a:rPr b="0" lang="en-US" sz="6000" strike="noStrike" u="none">
-                <a:solidFill>
-                  <a:schemeClr val="dk1"/>
-                </a:solidFill>
-                <a:effectLst/>
-                <a:uFillTx/>
-                <a:latin typeface="Calibri Light"/>
-              </a:rPr>
-              <a:t>Click to edit Master title style</a:t>
-            </a:r>
-            <a:endParaRPr b="0" lang="ru-RU" sz="6000" strike="noStrike" u="none">
-              <a:solidFill>
-                <a:srgbClr val="000000"/>
-              </a:solidFill>
-              <a:effectLst/>
-              <a:uFillTx/>
-              <a:latin typeface="Arial"/>
-            </a:endParaRPr>
-          </a:p>
-        </p:txBody>
-      </p:sp>
-      <p:sp>
-        <p:nvSpPr>
-          <p:cNvPr id="36" name="PlaceHolder 2"/>
-          <p:cNvSpPr>
-            <a:spLocks noGrp="1"/>
-          </p:cNvSpPr>
-          <p:nvPr>
-            <p:ph type="body"/>
-          </p:nvPr>
-        </p:nvSpPr>
-        <p:spPr>
-          <a:xfrm>
-            <a:off x="831960" y="4589640"/>
-            <a:ext cx="10514880" cy="1499400"/>
-          </a:xfrm>
-          <a:prstGeom prst="rect">
-            <a:avLst/>
-          </a:prstGeom>
-          <a:noFill/>
-          <a:ln w="0">
-            <a:noFill/>
-          </a:ln>
-        </p:spPr>
-        <p:txBody>
-          <a:bodyPr lIns="91440" rIns="91440" tIns="45720" bIns="45720" anchor="t">
-            <a:noAutofit/>
-          </a:bodyPr>
-          <a:p>
-            <a:pPr indent="0" defTabSz="914400">
-              <a:lnSpc>
-                <a:spcPct val="90000"/>
-              </a:lnSpc>
-              <a:spcBef>
-                <a:spcPts val="1001"/>
-              </a:spcBef>
-              <a:buNone/>
-              <a:tabLst>
-                <a:tab algn="l" pos="0"/>
-              </a:tabLst>
-            </a:pPr>
-            <a:r>
-              <a:rPr b="0" lang="en-US" sz="2400" strike="noStrike" u="none">
-                <a:solidFill>
-                  <a:schemeClr val="dk1">
-                    <a:tint val="75000"/>
-                  </a:schemeClr>
-                </a:solidFill>
-                <a:effectLst/>
-                <a:uFillTx/>
-                <a:latin typeface="Calibri"/>
-              </a:rPr>
-              <a:t>Click to edit Master text styles</a:t>
-            </a:r>
-            <a:endParaRPr b="0" lang="ru-RU" sz="2400" strike="noStrike" u="none">
-              <a:solidFill>
-                <a:srgbClr val="000000"/>
-              </a:solidFill>
-              <a:effectLst/>
-              <a:uFillTx/>
-              <a:latin typeface="Arial"/>
-            </a:endParaRPr>
-          </a:p>
-        </p:txBody>
-      </p:sp>
-      <p:sp>
-        <p:nvSpPr>
-          <p:cNvPr id="37" name="PlaceHolder 3"/>
-          <p:cNvSpPr>
-            <a:spLocks noGrp="1"/>
-          </p:cNvSpPr>
-          <p:nvPr>
-            <p:ph type="dt" idx="22"/>
-          </p:nvPr>
-        </p:nvSpPr>
-        <p:spPr>
-          <a:xfrm>
-            <a:off x="838080" y="6356520"/>
-            <a:ext cx="2742480" cy="364320"/>
-          </a:xfrm>
-          <a:prstGeom prst="rect">
-            <a:avLst/>
-          </a:prstGeom>
-          <a:noFill/>
-          <a:ln w="0">
-            <a:noFill/>
-          </a:ln>
-        </p:spPr>
-        <p:txBody>
-          <a:bodyPr lIns="91440" rIns="91440" tIns="45720" bIns="45720" anchor="ctr">
-            <a:noAutofit/>
-          </a:bodyPr>
-          <a:lstStyle>
-            <a:lvl1pPr indent="0" defTabSz="914400">
-              <a:lnSpc>
-                <a:spcPct val="100000"/>
-              </a:lnSpc>
-              <a:buNone/>
-              <a:tabLst>
-                <a:tab algn="l" pos="0"/>
-              </a:tabLst>
-              <a:defRPr b="0" lang="en-US" sz="1200" strike="noStrike" u="none">
-                <a:solidFill>
-                  <a:schemeClr val="dk1">
-                    <a:tint val="75000"/>
-                  </a:schemeClr>
-                </a:solidFill>
-                <a:effectLst/>
-                <a:uFillTx/>
-                <a:latin typeface="Calibri"/>
-              </a:defRPr>
-            </a:lvl1pPr>
-          </a:lstStyle>
-          <a:p>
-            <a:pPr indent="0" defTabSz="914400">
-              <a:lnSpc>
-                <a:spcPct val="100000"/>
-              </a:lnSpc>
-              <a:buNone/>
-              <a:tabLst>
-                <a:tab algn="l" pos="0"/>
-              </a:tabLst>
-            </a:pPr>
-            <a:r>
-              <a:rPr b="0" lang="en-US" sz="1200" strike="noStrike" u="none">
-                <a:solidFill>
-                  <a:schemeClr val="dk1">
-                    <a:tint val="75000"/>
-                  </a:schemeClr>
-                </a:solidFill>
-                <a:effectLst/>
-                <a:uFillTx/>
-                <a:latin typeface="Calibri"/>
-              </a:rPr>
-              <a:t>&lt;дата/время&gt;</a:t>
-            </a:r>
-            <a:endParaRPr b="0" lang="ru-RU" sz="1200" strike="noStrike" u="none">
-              <a:solidFill>
-                <a:srgbClr val="000000"/>
-              </a:solidFill>
-              <a:effectLst/>
-              <a:uFillTx/>
-              <a:latin typeface="Times New Roman"/>
-            </a:endParaRPr>
-          </a:p>
-        </p:txBody>
-      </p:sp>
-      <p:sp>
-        <p:nvSpPr>
-          <p:cNvPr id="38" name="PlaceHolder 4"/>
-          <p:cNvSpPr>
-            <a:spLocks noGrp="1"/>
-          </p:cNvSpPr>
-          <p:nvPr>
-            <p:ph type="ftr" idx="23"/>
-          </p:nvPr>
-        </p:nvSpPr>
-        <p:spPr>
-          <a:xfrm>
-            <a:off x="4038480" y="6356520"/>
-            <a:ext cx="4114080" cy="364320"/>
-          </a:xfrm>
-          <a:prstGeom prst="rect">
-            <a:avLst/>
-          </a:prstGeom>
-          <a:noFill/>
-          <a:ln w="0">
-            <a:noFill/>
-          </a:ln>
-        </p:spPr>
-        <p:txBody>
-          <a:bodyPr lIns="91440" rIns="91440" tIns="45720" bIns="45720" anchor="ctr">
-            <a:noAutofit/>
-          </a:bodyPr>
-          <a:lstStyle>
-            <a:lvl1pPr indent="0" algn="ctr">
-              <a:lnSpc>
-                <a:spcPct val="100000"/>
-              </a:lnSpc>
-              <a:buNone/>
-              <a:tabLst>
-                <a:tab algn="l" pos="0"/>
-              </a:tabLst>
-              <a:defRPr b="0" lang="ru-RU" sz="1400" strike="noStrike" u="none">
-                <a:solidFill>
-                  <a:srgbClr val="000000"/>
-                </a:solidFill>
-                <a:effectLst/>
-                <a:uFillTx/>
-                <a:latin typeface="Times New Roman"/>
-              </a:defRPr>
-            </a:lvl1pPr>
-          </a:lstStyle>
-          <a:p>
-            <a:pPr indent="0" algn="ctr">
-              <a:lnSpc>
-                <a:spcPct val="100000"/>
-              </a:lnSpc>
-              <a:buNone/>
-              <a:tabLst>
-                <a:tab algn="l" pos="0"/>
-              </a:tabLst>
-            </a:pPr>
-            <a:r>
-              <a:rPr b="0" lang="ru-RU" sz="1400" strike="noStrike" u="none">
-                <a:solidFill>
-                  <a:srgbClr val="000000"/>
-                </a:solidFill>
-                <a:effectLst/>
-                <a:uFillTx/>
-                <a:latin typeface="Times New Roman"/>
-              </a:rPr>
-              <a:t>&lt;нижний колонтитул&gt;</a:t>
-            </a:r>
-            <a:endParaRPr b="0" lang="ru-RU" sz="1400" strike="noStrike" u="none">
-              <a:solidFill>
-                <a:srgbClr val="000000"/>
-              </a:solidFill>
-              <a:effectLst/>
-              <a:uFillTx/>
-              <a:latin typeface="Times New Roman"/>
-            </a:endParaRPr>
-          </a:p>
-        </p:txBody>
-      </p:sp>
-      <p:sp>
-        <p:nvSpPr>
-          <p:cNvPr id="39" name="PlaceHolder 5"/>
-          <p:cNvSpPr>
-            <a:spLocks noGrp="1"/>
-          </p:cNvSpPr>
-          <p:nvPr>
-            <p:ph type="sldNum" idx="24"/>
-          </p:nvPr>
-        </p:nvSpPr>
-        <p:spPr>
-          <a:xfrm>
-            <a:off x="8610480" y="6356520"/>
-            <a:ext cx="2742480" cy="364320"/>
-          </a:xfrm>
-          <a:prstGeom prst="rect">
-            <a:avLst/>
-          </a:prstGeom>
-          <a:noFill/>
-          <a:ln w="0">
-            <a:noFill/>
-          </a:ln>
-        </p:spPr>
-        <p:txBody>
-          <a:bodyPr lIns="91440" rIns="91440" tIns="45720" bIns="45720" anchor="ctr">
-            <a:noAutofit/>
-          </a:bodyPr>
-          <a:lstStyle>
-            <a:lvl1pPr indent="0" algn="r" defTabSz="914400">
-              <a:lnSpc>
-                <a:spcPct val="100000"/>
-              </a:lnSpc>
-              <a:buNone/>
-              <a:tabLst>
-                <a:tab algn="l" pos="0"/>
-              </a:tabLst>
-              <a:defRPr b="0" lang="en-US" sz="1200" strike="noStrike" u="none">
-                <a:solidFill>
-                  <a:schemeClr val="dk1">
-                    <a:tint val="75000"/>
-                  </a:schemeClr>
-                </a:solidFill>
-                <a:effectLst/>
-                <a:uFillTx/>
-                <a:latin typeface="Calibri"/>
-              </a:defRPr>
-            </a:lvl1pPr>
-          </a:lstStyle>
-          <a:p>
-            <a:pPr indent="0" algn="r" defTabSz="914400">
-              <a:lnSpc>
-                <a:spcPct val="100000"/>
-              </a:lnSpc>
-              <a:buNone/>
-              <a:tabLst>
-                <a:tab algn="l" pos="0"/>
-              </a:tabLst>
-            </a:pPr>
-            <a:fld id="{B36B6C7F-68D2-4D68-8C42-A65C614FBD48}" type="slidenum">
-              <a:rPr b="0" lang="en-US" sz="1200" strike="noStrike" u="none">
-                <a:solidFill>
-                  <a:schemeClr val="dk1">
-                    <a:tint val="75000"/>
-                  </a:schemeClr>
-                </a:solidFill>
-                <a:effectLst/>
-                <a:uFillTx/>
-                <a:latin typeface="Calibri"/>
-              </a:rPr>
-              <a:t>&lt;номер&gt;</a:t>
-            </a:fld>
-            <a:endParaRPr b="0" lang="ru-RU" sz="1200" strike="noStrike" u="none">
-              <a:solidFill>
-                <a:srgbClr val="000000"/>
-              </a:solidFill>
-              <a:effectLst/>
-              <a:uFillTx/>
-              <a:latin typeface="Times New Roman"/>
-            </a:endParaRPr>
-          </a:p>
-        </p:txBody>
-      </p:sp>
-    </p:spTree>
-  </p:cSld>
-</p:sldLayout>
-</file>
-
-<file path=ppt/slideLayouts/slideLayout9.xml><?xml version="1.0" encoding="utf-8"?>
-<p:sldLayout xmlns:a="http://schemas.openxmlformats.org/drawingml/2006/main" xmlns:p="http://schemas.openxmlformats.org/presentationml/2006/main" xmlns:r="http://schemas.openxmlformats.org/officeDocument/2006/relationships" xmlns:p14="http://schemas.microsoft.com/office/powerpoint/2010/main" xmlns:p15="http://schemas.microsoft.com/office/powerpoint/2012/main" xmlns:mc="http://schemas.openxmlformats.org/markup-compatibility/2006" type="twoObj" preserve="1">
-  <p:cSld name="Two Content">
-    <p:bg>
-      <p:bgPr>
-        <a:solidFill>
-          <a:srgbClr val="ffffff"/>
-        </a:solidFill>
-      </p:bgPr>
-    </p:bg>
-    <p:spTree>
-      <p:nvGrpSpPr>
-        <p:cNvPr id="1" name=""/>
-        <p:cNvGrpSpPr/>
-        <p:nvPr/>
-      </p:nvGrpSpPr>
-      <p:grpSpPr>
-        <a:xfrm>
-          <a:off x="0" y="0"/>
-          <a:ext cx="0" cy="0"/>
-          <a:chOff x="0" y="0"/>
-          <a:chExt cx="0" cy="0"/>
-        </a:xfrm>
-      </p:grpSpPr>
-      <p:sp>
-        <p:nvSpPr>
-          <p:cNvPr id="40" name="PlaceHolder 1"/>
-          <p:cNvSpPr>
-            <a:spLocks noGrp="1"/>
-          </p:cNvSpPr>
-          <p:nvPr>
-            <p:ph type="title"/>
-          </p:nvPr>
-        </p:nvSpPr>
-        <p:spPr>
-          <a:xfrm>
-            <a:off x="838080" y="365040"/>
-            <a:ext cx="10514880" cy="1324800"/>
-          </a:xfrm>
-          <a:prstGeom prst="rect">
-            <a:avLst/>
-          </a:prstGeom>
-          <a:noFill/>
-          <a:ln w="0">
-            <a:noFill/>
-          </a:ln>
-        </p:spPr>
-        <p:txBody>
-          <a:bodyPr lIns="91440" rIns="91440" tIns="45720" bIns="45720" anchor="ctr">
-            <a:noAutofit/>
-          </a:bodyPr>
-          <a:p>
-            <a:pPr indent="0" defTabSz="914400">
-              <a:lnSpc>
-                <a:spcPct val="90000"/>
-              </a:lnSpc>
-              <a:buNone/>
-              <a:tabLst>
-                <a:tab algn="l" pos="0"/>
-              </a:tabLst>
-            </a:pPr>
-            <a:r>
-              <a:rPr b="0" lang="en-US" sz="4400" strike="noStrike" u="none">
-                <a:solidFill>
-                  <a:schemeClr val="dk1"/>
-                </a:solidFill>
-                <a:effectLst/>
-                <a:uFillTx/>
-                <a:latin typeface="Calibri Light"/>
-              </a:rPr>
-              <a:t>Click to edit Master title style</a:t>
-            </a:r>
-            <a:endParaRPr b="0" lang="ru-RU" sz="4400" strike="noStrike" u="none">
-              <a:solidFill>
-                <a:srgbClr val="000000"/>
-              </a:solidFill>
-              <a:effectLst/>
-              <a:uFillTx/>
-              <a:latin typeface="Arial"/>
-            </a:endParaRPr>
-          </a:p>
-        </p:txBody>
-      </p:sp>
-      <p:sp>
-        <p:nvSpPr>
-          <p:cNvPr id="41" name="PlaceHolder 2"/>
-          <p:cNvSpPr>
-            <a:spLocks noGrp="1"/>
-          </p:cNvSpPr>
-          <p:nvPr>
-            <p:ph type="body"/>
-          </p:nvPr>
-        </p:nvSpPr>
-        <p:spPr>
-          <a:xfrm>
-            <a:off x="838080" y="1825560"/>
-            <a:ext cx="5180760" cy="4350600"/>
-          </a:xfrm>
-          <a:prstGeom prst="rect">
-            <a:avLst/>
-          </a:prstGeom>
-          <a:noFill/>
-          <a:ln w="0">
-            <a:noFill/>
-          </a:ln>
-        </p:spPr>
-        <p:txBody>
-          <a:bodyPr lIns="91440" rIns="91440" tIns="45720" bIns="45720" anchor="t">
-            <a:noAutofit/>
-          </a:bodyPr>
-          <a:p>
-            <a:pPr marL="228600" indent="-228600" defTabSz="914400">
-              <a:lnSpc>
-                <a:spcPct val="90000"/>
-              </a:lnSpc>
-              <a:spcBef>
-                <a:spcPts val="1001"/>
-              </a:spcBef>
-              <a:buClr>
-                <a:srgbClr val="000000"/>
-              </a:buClr>
-              <a:buFont typeface="Arial"/>
-              <a:buChar char="•"/>
-            </a:pPr>
-            <a:r>
-              <a:rPr b="0" lang="en-US" sz="2800" strike="noStrike" u="none">
-                <a:solidFill>
-                  <a:schemeClr val="dk1"/>
-                </a:solidFill>
-                <a:effectLst/>
-                <a:uFillTx/>
-                <a:latin typeface="Calibri"/>
-              </a:rPr>
-              <a:t>Click to edit Master text styles</a:t>
-            </a:r>
-            <a:endParaRPr b="0" lang="ru-RU" sz="2800" strike="noStrike" u="none">
-              <a:solidFill>
-                <a:srgbClr val="000000"/>
-              </a:solidFill>
-              <a:effectLst/>
-              <a:uFillTx/>
-              <a:latin typeface="Arial"/>
-            </a:endParaRPr>
-          </a:p>
-          <a:p>
-            <a:pPr lvl="1" marL="685800" indent="-228600" defTabSz="914400">
-              <a:lnSpc>
-                <a:spcPct val="90000"/>
-              </a:lnSpc>
-              <a:spcBef>
-                <a:spcPts val="499"/>
-              </a:spcBef>
-              <a:buClr>
-                <a:srgbClr val="000000"/>
-              </a:buClr>
-              <a:buFont typeface="Arial"/>
-              <a:buChar char="•"/>
-            </a:pPr>
-            <a:r>
-              <a:rPr b="0" lang="en-US" sz="2400" strike="noStrike" u="none">
-                <a:solidFill>
-                  <a:schemeClr val="dk1"/>
-                </a:solidFill>
-                <a:effectLst/>
-                <a:uFillTx/>
-                <a:latin typeface="Calibri"/>
-              </a:rPr>
-              <a:t>Second level</a:t>
-            </a:r>
-            <a:endParaRPr b="0" lang="ru-RU" sz="2400" strike="noStrike" u="none">
-              <a:solidFill>
-                <a:srgbClr val="000000"/>
-              </a:solidFill>
-              <a:effectLst/>
-              <a:uFillTx/>
-              <a:latin typeface="Arial"/>
-            </a:endParaRPr>
-          </a:p>
-          <a:p>
-            <a:pPr lvl="2" marL="1143000" indent="-228600" defTabSz="914400">
-              <a:lnSpc>
-                <a:spcPct val="90000"/>
-              </a:lnSpc>
-              <a:spcBef>
-                <a:spcPts val="499"/>
-              </a:spcBef>
-              <a:buClr>
-                <a:srgbClr val="000000"/>
-              </a:buClr>
-              <a:buFont typeface="Arial"/>
-              <a:buChar char="•"/>
-            </a:pPr>
-            <a:r>
-              <a:rPr b="0" lang="en-US" sz="2000" strike="noStrike" u="none">
-                <a:solidFill>
-                  <a:schemeClr val="dk1"/>
-                </a:solidFill>
-                <a:effectLst/>
-                <a:uFillTx/>
-                <a:latin typeface="Calibri"/>
-              </a:rPr>
-              <a:t>Third level</a:t>
-            </a:r>
-            <a:endParaRPr b="0" lang="ru-RU" sz="2000" strike="noStrike" u="none">
-              <a:solidFill>
-                <a:srgbClr val="000000"/>
-              </a:solidFill>
-              <a:effectLst/>
-              <a:uFillTx/>
-              <a:latin typeface="Arial"/>
-            </a:endParaRPr>
-          </a:p>
-          <a:p>
-            <a:pPr lvl="3" marL="1600200" indent="-228600" defTabSz="914400">
-              <a:lnSpc>
-                <a:spcPct val="90000"/>
-              </a:lnSpc>
-              <a:spcBef>
-                <a:spcPts val="499"/>
-              </a:spcBef>
-              <a:buClr>
-                <a:srgbClr val="000000"/>
-              </a:buClr>
-              <a:buFont typeface="Arial"/>
-              <a:buChar char="•"/>
-            </a:pPr>
-            <a:r>
-              <a:rPr b="0" lang="en-US" sz="1800" strike="noStrike" u="none">
-                <a:solidFill>
-                  <a:schemeClr val="dk1"/>
-                </a:solidFill>
-                <a:effectLst/>
-                <a:uFillTx/>
-                <a:latin typeface="Calibri"/>
-              </a:rPr>
-              <a:t>Fourth level</a:t>
-            </a:r>
-            <a:endParaRPr b="0" lang="ru-RU" sz="1800" strike="noStrike" u="none">
-              <a:solidFill>
-                <a:srgbClr val="000000"/>
-              </a:solidFill>
-              <a:effectLst/>
-              <a:uFillTx/>
-              <a:latin typeface="Arial"/>
-            </a:endParaRPr>
-          </a:p>
-          <a:p>
-            <a:pPr lvl="4" marL="2057400" indent="-228600" defTabSz="914400">
-              <a:lnSpc>
-                <a:spcPct val="90000"/>
-              </a:lnSpc>
-              <a:spcBef>
-                <a:spcPts val="499"/>
-              </a:spcBef>
-              <a:buClr>
-                <a:srgbClr val="000000"/>
-              </a:buClr>
-              <a:buFont typeface="Arial"/>
-              <a:buChar char="•"/>
-            </a:pPr>
-            <a:r>
-              <a:rPr b="0" lang="en-US" sz="1800" strike="noStrike" u="none">
-                <a:solidFill>
-                  <a:schemeClr val="dk1"/>
-                </a:solidFill>
-                <a:effectLst/>
-                <a:uFillTx/>
-                <a:latin typeface="Calibri"/>
-              </a:rPr>
-              <a:t>Fifth level</a:t>
-            </a:r>
-            <a:endParaRPr b="0" lang="ru-RU" sz="1800" strike="noStrike" u="none">
-              <a:solidFill>
-                <a:srgbClr val="000000"/>
-              </a:solidFill>
-              <a:effectLst/>
-              <a:uFillTx/>
-              <a:latin typeface="Arial"/>
-            </a:endParaRPr>
-          </a:p>
-        </p:txBody>
-      </p:sp>
-      <p:sp>
-        <p:nvSpPr>
-          <p:cNvPr id="42" name="PlaceHolder 3"/>
-          <p:cNvSpPr>
-            <a:spLocks noGrp="1"/>
-          </p:cNvSpPr>
-          <p:nvPr>
-            <p:ph type="body"/>
-          </p:nvPr>
-        </p:nvSpPr>
-        <p:spPr>
-          <a:xfrm>
-            <a:off x="6172200" y="1825560"/>
-            <a:ext cx="5180760" cy="4350600"/>
-          </a:xfrm>
-          <a:prstGeom prst="rect">
-            <a:avLst/>
-          </a:prstGeom>
-          <a:noFill/>
-          <a:ln w="0">
-            <a:noFill/>
-          </a:ln>
-        </p:spPr>
-        <p:txBody>
-          <a:bodyPr lIns="91440" rIns="91440" tIns="45720" bIns="45720" anchor="t">
-            <a:noAutofit/>
-          </a:bodyPr>
-          <a:p>
-            <a:pPr marL="228600" indent="-228600" defTabSz="914400">
-              <a:lnSpc>
-                <a:spcPct val="90000"/>
-              </a:lnSpc>
-              <a:spcBef>
-                <a:spcPts val="1001"/>
-              </a:spcBef>
-              <a:buClr>
-                <a:srgbClr val="000000"/>
-              </a:buClr>
-              <a:buFont typeface="Arial"/>
-              <a:buChar char="•"/>
-            </a:pPr>
-            <a:r>
-              <a:rPr b="0" lang="en-US" sz="2800" strike="noStrike" u="none">
-                <a:solidFill>
-                  <a:schemeClr val="dk1"/>
-                </a:solidFill>
-                <a:effectLst/>
-                <a:uFillTx/>
-                <a:latin typeface="Calibri"/>
-              </a:rPr>
-              <a:t>Click to edit Master text styles</a:t>
-            </a:r>
-            <a:endParaRPr b="0" lang="ru-RU" sz="2800" strike="noStrike" u="none">
-              <a:solidFill>
-                <a:srgbClr val="000000"/>
-              </a:solidFill>
-              <a:effectLst/>
-              <a:uFillTx/>
-              <a:latin typeface="Arial"/>
-            </a:endParaRPr>
-          </a:p>
-          <a:p>
-            <a:pPr lvl="1" marL="685800" indent="-228600" defTabSz="914400">
-              <a:lnSpc>
-                <a:spcPct val="90000"/>
-              </a:lnSpc>
-              <a:spcBef>
-                <a:spcPts val="499"/>
-              </a:spcBef>
-              <a:buClr>
-                <a:srgbClr val="000000"/>
-              </a:buClr>
-              <a:buFont typeface="Arial"/>
-              <a:buChar char="•"/>
-            </a:pPr>
-            <a:r>
-              <a:rPr b="0" lang="en-US" sz="2400" strike="noStrike" u="none">
-                <a:solidFill>
-                  <a:schemeClr val="dk1"/>
-                </a:solidFill>
-                <a:effectLst/>
-                <a:uFillTx/>
-                <a:latin typeface="Calibri"/>
-              </a:rPr>
-              <a:t>Second level</a:t>
-            </a:r>
-            <a:endParaRPr b="0" lang="ru-RU" sz="2400" strike="noStrike" u="none">
-              <a:solidFill>
-                <a:srgbClr val="000000"/>
-              </a:solidFill>
-              <a:effectLst/>
-              <a:uFillTx/>
-              <a:latin typeface="Arial"/>
-            </a:endParaRPr>
-          </a:p>
-          <a:p>
-            <a:pPr lvl="2" marL="1143000" indent="-228600" defTabSz="914400">
-              <a:lnSpc>
-                <a:spcPct val="90000"/>
-              </a:lnSpc>
-              <a:spcBef>
-                <a:spcPts val="499"/>
-              </a:spcBef>
-              <a:buClr>
-                <a:srgbClr val="000000"/>
-              </a:buClr>
-              <a:buFont typeface="Arial"/>
-              <a:buChar char="•"/>
-            </a:pPr>
-            <a:r>
-              <a:rPr b="0" lang="en-US" sz="2000" strike="noStrike" u="none">
-                <a:solidFill>
-                  <a:schemeClr val="dk1"/>
-                </a:solidFill>
-                <a:effectLst/>
-                <a:uFillTx/>
-                <a:latin typeface="Calibri"/>
-              </a:rPr>
-              <a:t>Third level</a:t>
-            </a:r>
-            <a:endParaRPr b="0" lang="ru-RU" sz="2000" strike="noStrike" u="none">
-              <a:solidFill>
-                <a:srgbClr val="000000"/>
-              </a:solidFill>
-              <a:effectLst/>
-              <a:uFillTx/>
-              <a:latin typeface="Arial"/>
-            </a:endParaRPr>
-          </a:p>
-          <a:p>
-            <a:pPr lvl="3" marL="1600200" indent="-228600" defTabSz="914400">
-              <a:lnSpc>
-                <a:spcPct val="90000"/>
-              </a:lnSpc>
-              <a:spcBef>
-                <a:spcPts val="499"/>
-              </a:spcBef>
-              <a:buClr>
-                <a:srgbClr val="000000"/>
-              </a:buClr>
-              <a:buFont typeface="Arial"/>
-              <a:buChar char="•"/>
-            </a:pPr>
-            <a:r>
-              <a:rPr b="0" lang="en-US" sz="1800" strike="noStrike" u="none">
-                <a:solidFill>
-                  <a:schemeClr val="dk1"/>
-                </a:solidFill>
-                <a:effectLst/>
-                <a:uFillTx/>
-                <a:latin typeface="Calibri"/>
-              </a:rPr>
-              <a:t>Fourth level</a:t>
-            </a:r>
-            <a:endParaRPr b="0" lang="ru-RU" sz="1800" strike="noStrike" u="none">
-              <a:solidFill>
-                <a:srgbClr val="000000"/>
-              </a:solidFill>
-              <a:effectLst/>
-              <a:uFillTx/>
-              <a:latin typeface="Arial"/>
-            </a:endParaRPr>
-          </a:p>
-          <a:p>
-            <a:pPr lvl="4" marL="2057400" indent="-228600" defTabSz="914400">
-              <a:lnSpc>
-                <a:spcPct val="90000"/>
-              </a:lnSpc>
-              <a:spcBef>
-                <a:spcPts val="499"/>
-              </a:spcBef>
-              <a:buClr>
-                <a:srgbClr val="000000"/>
-              </a:buClr>
-              <a:buFont typeface="Arial"/>
-              <a:buChar char="•"/>
-            </a:pPr>
-            <a:r>
-              <a:rPr b="0" lang="en-US" sz="1800" strike="noStrike" u="none">
-                <a:solidFill>
-                  <a:schemeClr val="dk1"/>
-                </a:solidFill>
-                <a:effectLst/>
-                <a:uFillTx/>
-                <a:latin typeface="Calibri"/>
-              </a:rPr>
-              <a:t>Fifth level</a:t>
-            </a:r>
-            <a:endParaRPr b="0" lang="ru-RU" sz="1800" strike="noStrike" u="none">
-              <a:solidFill>
-                <a:srgbClr val="000000"/>
-              </a:solidFill>
-              <a:effectLst/>
-              <a:uFillTx/>
-              <a:latin typeface="Arial"/>
-            </a:endParaRPr>
-          </a:p>
-        </p:txBody>
-      </p:sp>
-      <p:sp>
-        <p:nvSpPr>
-          <p:cNvPr id="43" name="PlaceHolder 4"/>
-          <p:cNvSpPr>
-            <a:spLocks noGrp="1"/>
-          </p:cNvSpPr>
-          <p:nvPr>
-            <p:ph type="dt" idx="25"/>
-          </p:nvPr>
-        </p:nvSpPr>
-        <p:spPr>
-          <a:xfrm>
-            <a:off x="838080" y="6356520"/>
-            <a:ext cx="2742480" cy="364320"/>
-          </a:xfrm>
-          <a:prstGeom prst="rect">
-            <a:avLst/>
-          </a:prstGeom>
-          <a:noFill/>
-          <a:ln w="0">
-            <a:noFill/>
-          </a:ln>
-        </p:spPr>
-        <p:txBody>
-          <a:bodyPr lIns="91440" rIns="91440" tIns="45720" bIns="45720" anchor="ctr">
-            <a:noAutofit/>
-          </a:bodyPr>
-          <a:lstStyle>
-            <a:lvl1pPr indent="0" defTabSz="914400">
-              <a:lnSpc>
-                <a:spcPct val="100000"/>
-              </a:lnSpc>
-              <a:buNone/>
-              <a:tabLst>
-                <a:tab algn="l" pos="0"/>
-              </a:tabLst>
-              <a:defRPr b="0" lang="en-US" sz="1200" strike="noStrike" u="none">
-                <a:solidFill>
-                  <a:schemeClr val="dk1">
-                    <a:tint val="75000"/>
-                  </a:schemeClr>
-                </a:solidFill>
-                <a:effectLst/>
-                <a:uFillTx/>
-                <a:latin typeface="Calibri"/>
-              </a:defRPr>
-            </a:lvl1pPr>
-          </a:lstStyle>
-          <a:p>
-            <a:pPr indent="0" defTabSz="914400">
-              <a:lnSpc>
-                <a:spcPct val="100000"/>
-              </a:lnSpc>
-              <a:buNone/>
-              <a:tabLst>
-                <a:tab algn="l" pos="0"/>
-              </a:tabLst>
-            </a:pPr>
-            <a:r>
-              <a:rPr b="0" lang="en-US" sz="1200" strike="noStrike" u="none">
-                <a:solidFill>
-                  <a:schemeClr val="dk1">
-                    <a:tint val="75000"/>
-                  </a:schemeClr>
-                </a:solidFill>
-                <a:effectLst/>
-                <a:uFillTx/>
-                <a:latin typeface="Calibri"/>
-              </a:rPr>
-              <a:t>&lt;дата/время&gt;</a:t>
-            </a:r>
-            <a:endParaRPr b="0" lang="ru-RU" sz="1200" strike="noStrike" u="none">
-              <a:solidFill>
-                <a:srgbClr val="000000"/>
-              </a:solidFill>
-              <a:effectLst/>
-              <a:uFillTx/>
-              <a:latin typeface="Times New Roman"/>
-            </a:endParaRPr>
-          </a:p>
-        </p:txBody>
-      </p:sp>
-      <p:sp>
-        <p:nvSpPr>
-          <p:cNvPr id="44" name="PlaceHolder 5"/>
-          <p:cNvSpPr>
-            <a:spLocks noGrp="1"/>
-          </p:cNvSpPr>
-          <p:nvPr>
-            <p:ph type="ftr" idx="26"/>
-          </p:nvPr>
-        </p:nvSpPr>
-        <p:spPr>
-          <a:xfrm>
-            <a:off x="4038480" y="6356520"/>
-            <a:ext cx="4114080" cy="364320"/>
-          </a:xfrm>
-          <a:prstGeom prst="rect">
-            <a:avLst/>
-          </a:prstGeom>
-          <a:noFill/>
-          <a:ln w="0">
-            <a:noFill/>
-          </a:ln>
-        </p:spPr>
-        <p:txBody>
-          <a:bodyPr lIns="91440" rIns="91440" tIns="45720" bIns="45720" anchor="ctr">
-            <a:noAutofit/>
-          </a:bodyPr>
-          <a:lstStyle>
-            <a:lvl1pPr indent="0" algn="ctr">
-              <a:lnSpc>
-                <a:spcPct val="100000"/>
-              </a:lnSpc>
-              <a:buNone/>
-              <a:tabLst>
-                <a:tab algn="l" pos="0"/>
-              </a:tabLst>
-              <a:defRPr b="0" lang="ru-RU" sz="1400" strike="noStrike" u="none">
-                <a:solidFill>
-                  <a:srgbClr val="000000"/>
-                </a:solidFill>
-                <a:effectLst/>
-                <a:uFillTx/>
-                <a:latin typeface="Times New Roman"/>
-              </a:defRPr>
-            </a:lvl1pPr>
-          </a:lstStyle>
-          <a:p>
-            <a:pPr indent="0" algn="ctr">
-              <a:lnSpc>
-                <a:spcPct val="100000"/>
-              </a:lnSpc>
-              <a:buNone/>
-              <a:tabLst>
-                <a:tab algn="l" pos="0"/>
-              </a:tabLst>
-            </a:pPr>
-            <a:r>
-              <a:rPr b="0" lang="ru-RU" sz="1400" strike="noStrike" u="none">
-                <a:solidFill>
-                  <a:srgbClr val="000000"/>
-                </a:solidFill>
-                <a:effectLst/>
-                <a:uFillTx/>
-                <a:latin typeface="Times New Roman"/>
-              </a:rPr>
-              <a:t>&lt;нижний колонтитул&gt;</a:t>
-            </a:r>
-            <a:endParaRPr b="0" lang="ru-RU" sz="1400" strike="noStrike" u="none">
-              <a:solidFill>
-                <a:srgbClr val="000000"/>
-              </a:solidFill>
-              <a:effectLst/>
-              <a:uFillTx/>
-              <a:latin typeface="Times New Roman"/>
-            </a:endParaRPr>
-          </a:p>
-        </p:txBody>
-      </p:sp>
-      <p:sp>
-        <p:nvSpPr>
-          <p:cNvPr id="45" name="PlaceHolder 6"/>
-          <p:cNvSpPr>
-            <a:spLocks noGrp="1"/>
-          </p:cNvSpPr>
-          <p:nvPr>
-            <p:ph type="sldNum" idx="27"/>
-          </p:nvPr>
-        </p:nvSpPr>
-        <p:spPr>
-          <a:xfrm>
-            <a:off x="8610480" y="6356520"/>
-            <a:ext cx="2742480" cy="364320"/>
-          </a:xfrm>
-          <a:prstGeom prst="rect">
-            <a:avLst/>
-          </a:prstGeom>
-          <a:noFill/>
-          <a:ln w="0">
-            <a:noFill/>
-          </a:ln>
-        </p:spPr>
-        <p:txBody>
-          <a:bodyPr lIns="91440" rIns="91440" tIns="45720" bIns="45720" anchor="ctr">
-            <a:noAutofit/>
-          </a:bodyPr>
-          <a:lstStyle>
-            <a:lvl1pPr indent="0" algn="r" defTabSz="914400">
-              <a:lnSpc>
-                <a:spcPct val="100000"/>
-              </a:lnSpc>
-              <a:buNone/>
-              <a:tabLst>
-                <a:tab algn="l" pos="0"/>
-              </a:tabLst>
-              <a:defRPr b="0" lang="en-US" sz="1200" strike="noStrike" u="none">
-                <a:solidFill>
-                  <a:schemeClr val="dk1">
-                    <a:tint val="75000"/>
-                  </a:schemeClr>
-                </a:solidFill>
-                <a:effectLst/>
-                <a:uFillTx/>
-                <a:latin typeface="Calibri"/>
-              </a:defRPr>
-            </a:lvl1pPr>
-          </a:lstStyle>
-          <a:p>
-            <a:pPr indent="0" algn="r" defTabSz="914400">
-              <a:lnSpc>
-                <a:spcPct val="100000"/>
-              </a:lnSpc>
-              <a:buNone/>
-              <a:tabLst>
-                <a:tab algn="l" pos="0"/>
-              </a:tabLst>
-            </a:pPr>
-            <a:fld id="{4FD64D65-7464-40E4-A549-7EEDFE2BDD23}" type="slidenum">
+            <a:fld id="{F8C4C18E-F5DD-4E2E-B062-E1AC2044C8C2}" type="slidenum">
               <a:rPr b="0" lang="en-US" sz="1200" strike="noStrike" u="none">
                 <a:solidFill>
                   <a:schemeClr val="dk1">
@@ -6122,7 +6122,7 @@
         <p:spPr>
           <a:xfrm>
             <a:off x="1523880" y="1122480"/>
-            <a:ext cx="9143280" cy="2386800"/>
+            <a:ext cx="9142920" cy="2386440"/>
           </a:xfrm>
           <a:prstGeom prst="rect">
             <a:avLst/>
@@ -6181,7 +6181,7 @@
         <p:spPr>
           <a:xfrm>
             <a:off x="9301320" y="5663520"/>
-            <a:ext cx="2890080" cy="1142640"/>
+            <a:ext cx="2889720" cy="1142280"/>
           </a:xfrm>
           <a:prstGeom prst="rect">
             <a:avLst/>
@@ -6272,8 +6272,8 @@
         </p:nvSpPr>
         <p:spPr>
           <a:xfrm>
-            <a:off x="838080" y="364680"/>
-            <a:ext cx="10514880" cy="1325520"/>
+            <a:off x="838080" y="364320"/>
+            <a:ext cx="10514520" cy="1325880"/>
           </a:xfrm>
           <a:prstGeom prst="rect">
             <a:avLst/>
@@ -6314,8 +6314,8 @@
         </p:blipFill>
         <p:spPr>
           <a:xfrm>
-            <a:off x="1440360" y="180000"/>
-            <a:ext cx="8819640" cy="6614640"/>
+            <a:off x="1620000" y="280800"/>
+            <a:ext cx="8265600" cy="6199200"/>
           </a:xfrm>
           <a:prstGeom prst="rect">
             <a:avLst/>
@@ -6369,7 +6369,7 @@
         <p:spPr>
           <a:xfrm>
             <a:off x="838080" y="365040"/>
-            <a:ext cx="10514880" cy="1324800"/>
+            <a:ext cx="10514520" cy="1324440"/>
           </a:xfrm>
           <a:prstGeom prst="rect">
             <a:avLst/>
@@ -6411,7 +6411,7 @@
         <p:spPr>
           <a:xfrm>
             <a:off x="360" y="495720"/>
-            <a:ext cx="12191400" cy="5983920"/>
+            <a:ext cx="12191040" cy="5983560"/>
           </a:xfrm>
           <a:prstGeom prst="rect">
             <a:avLst/>
@@ -6465,7 +6465,7 @@
         <p:spPr>
           <a:xfrm>
             <a:off x="838080" y="365040"/>
-            <a:ext cx="10514880" cy="1324800"/>
+            <a:ext cx="10514520" cy="1324440"/>
           </a:xfrm>
           <a:prstGeom prst="rect">
             <a:avLst/>
@@ -6507,7 +6507,7 @@
         <p:spPr>
           <a:xfrm>
             <a:off x="360" y="360000"/>
-            <a:ext cx="12191400" cy="5983920"/>
+            <a:ext cx="12191040" cy="5983560"/>
           </a:xfrm>
           <a:prstGeom prst="rect">
             <a:avLst/>
@@ -6561,7 +6561,7 @@
         <p:spPr>
           <a:xfrm>
             <a:off x="838080" y="365040"/>
-            <a:ext cx="10514880" cy="1324800"/>
+            <a:ext cx="10514520" cy="1324440"/>
           </a:xfrm>
           <a:prstGeom prst="rect">
             <a:avLst/>
@@ -6603,7 +6603,7 @@
         <p:spPr>
           <a:xfrm>
             <a:off x="838080" y="1825560"/>
-            <a:ext cx="10514880" cy="4350600"/>
+            <a:ext cx="10514520" cy="4350240"/>
           </a:xfrm>
           <a:prstGeom prst="rect">
             <a:avLst/>
@@ -6648,7 +6648,7 @@
         <p:spPr>
           <a:xfrm>
             <a:off x="0" y="315720"/>
-            <a:ext cx="12191400" cy="5983920"/>
+            <a:ext cx="12191040" cy="5983560"/>
           </a:xfrm>
           <a:prstGeom prst="rect">
             <a:avLst/>
@@ -6702,7 +6702,7 @@
         <p:spPr>
           <a:xfrm>
             <a:off x="838080" y="365040"/>
-            <a:ext cx="10514880" cy="1324800"/>
+            <a:ext cx="10514520" cy="1324440"/>
           </a:xfrm>
           <a:prstGeom prst="rect">
             <a:avLst/>
@@ -6744,7 +6744,7 @@
         <p:spPr>
           <a:xfrm>
             <a:off x="838080" y="1825560"/>
-            <a:ext cx="10514880" cy="4350600"/>
+            <a:ext cx="10514520" cy="4350240"/>
           </a:xfrm>
           <a:prstGeom prst="rect">
             <a:avLst/>
@@ -6789,7 +6789,7 @@
         <p:spPr>
           <a:xfrm>
             <a:off x="360" y="360000"/>
-            <a:ext cx="12191400" cy="5983920"/>
+            <a:ext cx="12191040" cy="5983560"/>
           </a:xfrm>
           <a:prstGeom prst="rect">
             <a:avLst/>
@@ -6843,7 +6843,7 @@
         <p:spPr>
           <a:xfrm>
             <a:off x="838080" y="365040"/>
-            <a:ext cx="10514880" cy="1324800"/>
+            <a:ext cx="10514520" cy="1324440"/>
           </a:xfrm>
           <a:prstGeom prst="rect">
             <a:avLst/>
@@ -6885,7 +6885,7 @@
         <p:spPr>
           <a:xfrm>
             <a:off x="838080" y="1825560"/>
-            <a:ext cx="10514880" cy="4350600"/>
+            <a:ext cx="10514520" cy="4350240"/>
           </a:xfrm>
           <a:prstGeom prst="rect">
             <a:avLst/>
@@ -6930,7 +6930,7 @@
         <p:spPr>
           <a:xfrm>
             <a:off x="0" y="315720"/>
-            <a:ext cx="12191400" cy="5983920"/>
+            <a:ext cx="12191040" cy="5983560"/>
           </a:xfrm>
           <a:prstGeom prst="rect">
             <a:avLst/>
@@ -6984,7 +6984,7 @@
         <p:spPr>
           <a:xfrm>
             <a:off x="838080" y="365040"/>
-            <a:ext cx="10514880" cy="1324800"/>
+            <a:ext cx="10514520" cy="1324440"/>
           </a:xfrm>
           <a:prstGeom prst="rect">
             <a:avLst/>
@@ -7026,7 +7026,7 @@
         <p:spPr>
           <a:xfrm>
             <a:off x="48240" y="360000"/>
-            <a:ext cx="12143520" cy="5983920"/>
+            <a:ext cx="12143160" cy="5983560"/>
           </a:xfrm>
           <a:prstGeom prst="rect">
             <a:avLst/>
@@ -7080,7 +7080,7 @@
         <p:spPr>
           <a:xfrm>
             <a:off x="838080" y="365040"/>
-            <a:ext cx="10514880" cy="1324800"/>
+            <a:ext cx="10514520" cy="1324440"/>
           </a:xfrm>
           <a:prstGeom prst="rect">
             <a:avLst/>
@@ -7122,7 +7122,7 @@
         <p:spPr>
           <a:xfrm>
             <a:off x="48240" y="540000"/>
-            <a:ext cx="12143520" cy="5983920"/>
+            <a:ext cx="12143160" cy="5983560"/>
           </a:xfrm>
           <a:prstGeom prst="rect">
             <a:avLst/>
@@ -7176,7 +7176,7 @@
         <p:spPr>
           <a:xfrm>
             <a:off x="838080" y="365040"/>
-            <a:ext cx="10514880" cy="1324800"/>
+            <a:ext cx="10514520" cy="1324440"/>
           </a:xfrm>
           <a:prstGeom prst="rect">
             <a:avLst/>
@@ -7218,7 +7218,7 @@
         <p:spPr>
           <a:xfrm>
             <a:off x="360" y="495720"/>
-            <a:ext cx="12191400" cy="5983920"/>
+            <a:ext cx="12191040" cy="5983560"/>
           </a:xfrm>
           <a:prstGeom prst="rect">
             <a:avLst/>
@@ -7271,8 +7271,8 @@
         </p:nvSpPr>
         <p:spPr>
           <a:xfrm>
-            <a:off x="838080" y="364680"/>
-            <a:ext cx="10514880" cy="1325520"/>
+            <a:off x="838080" y="364320"/>
+            <a:ext cx="10514520" cy="1325880"/>
           </a:xfrm>
           <a:prstGeom prst="rect">
             <a:avLst/>
@@ -7314,7 +7314,7 @@
         <p:spPr>
           <a:xfrm>
             <a:off x="838080" y="1825560"/>
-            <a:ext cx="10514880" cy="4350600"/>
+            <a:ext cx="10514520" cy="4350240"/>
           </a:xfrm>
           <a:prstGeom prst="rect">
             <a:avLst/>
@@ -7338,7 +7338,7 @@
         <p:spPr>
           <a:xfrm>
             <a:off x="48240" y="495720"/>
-            <a:ext cx="12143520" cy="5983920"/>
+            <a:ext cx="12143160" cy="5983560"/>
           </a:xfrm>
           <a:prstGeom prst="rect">
             <a:avLst/>
@@ -7392,7 +7392,7 @@
         <p:spPr>
           <a:xfrm>
             <a:off x="838080" y="365040"/>
-            <a:ext cx="10514880" cy="1324800"/>
+            <a:ext cx="10514520" cy="1324440"/>
           </a:xfrm>
           <a:prstGeom prst="rect">
             <a:avLst/>
@@ -7451,7 +7451,7 @@
         <p:spPr>
           <a:xfrm>
             <a:off x="838080" y="1825560"/>
-            <a:ext cx="10514880" cy="4350600"/>
+            <a:ext cx="10514520" cy="4350240"/>
           </a:xfrm>
           <a:prstGeom prst="rect">
             <a:avLst/>
@@ -7592,8 +7592,8 @@
         </p:nvSpPr>
         <p:spPr>
           <a:xfrm>
-            <a:off x="838080" y="364680"/>
-            <a:ext cx="10514880" cy="1325520"/>
+            <a:off x="838080" y="364320"/>
+            <a:ext cx="10514520" cy="1325880"/>
           </a:xfrm>
           <a:prstGeom prst="rect">
             <a:avLst/>
@@ -7635,7 +7635,7 @@
         <p:spPr>
           <a:xfrm>
             <a:off x="838080" y="1825560"/>
-            <a:ext cx="10514880" cy="4350600"/>
+            <a:ext cx="10514520" cy="4350240"/>
           </a:xfrm>
           <a:prstGeom prst="rect">
             <a:avLst/>
@@ -7659,7 +7659,7 @@
         <p:spPr>
           <a:xfrm>
             <a:off x="48240" y="495720"/>
-            <a:ext cx="12143520" cy="5983920"/>
+            <a:ext cx="12143160" cy="5983560"/>
           </a:xfrm>
           <a:prstGeom prst="rect">
             <a:avLst/>
@@ -7712,8 +7712,8 @@
         </p:nvSpPr>
         <p:spPr>
           <a:xfrm>
-            <a:off x="838080" y="364680"/>
-            <a:ext cx="10514880" cy="1325520"/>
+            <a:off x="838080" y="364320"/>
+            <a:ext cx="10514520" cy="1325880"/>
           </a:xfrm>
           <a:prstGeom prst="rect">
             <a:avLst/>
@@ -7755,7 +7755,7 @@
         <p:spPr>
           <a:xfrm>
             <a:off x="838080" y="1825560"/>
-            <a:ext cx="10514880" cy="4350600"/>
+            <a:ext cx="10514520" cy="4350240"/>
           </a:xfrm>
           <a:prstGeom prst="rect">
             <a:avLst/>
@@ -7779,7 +7779,7 @@
         <p:spPr>
           <a:xfrm>
             <a:off x="360" y="540000"/>
-            <a:ext cx="12191400" cy="5983920"/>
+            <a:ext cx="12191040" cy="5983560"/>
           </a:xfrm>
           <a:prstGeom prst="rect">
             <a:avLst/>
@@ -7832,8 +7832,8 @@
         </p:nvSpPr>
         <p:spPr>
           <a:xfrm>
-            <a:off x="838080" y="364680"/>
-            <a:ext cx="10514880" cy="1325520"/>
+            <a:off x="838080" y="364320"/>
+            <a:ext cx="10514520" cy="1325880"/>
           </a:xfrm>
           <a:prstGeom prst="rect">
             <a:avLst/>
@@ -7875,7 +7875,7 @@
         <p:spPr>
           <a:xfrm>
             <a:off x="360" y="360000"/>
-            <a:ext cx="9179280" cy="4505400"/>
+            <a:ext cx="9178920" cy="4505040"/>
           </a:xfrm>
           <a:prstGeom prst="rect">
             <a:avLst/>
@@ -10149,7 +10149,7 @@
         <p:spPr>
           <a:xfrm>
             <a:off x="307080" y="18360"/>
-            <a:ext cx="10514880" cy="1324800"/>
+            <a:ext cx="10514520" cy="1324440"/>
           </a:xfrm>
           <a:prstGeom prst="rect">
             <a:avLst/>
@@ -10208,7 +10208,7 @@
         <p:spPr>
           <a:xfrm>
             <a:off x="307080" y="1071720"/>
-            <a:ext cx="11883960" cy="5193000"/>
+            <a:ext cx="11883600" cy="5192640"/>
           </a:xfrm>
           <a:prstGeom prst="rect">
             <a:avLst/>
@@ -10584,7 +10584,7 @@
         <p:spPr>
           <a:xfrm>
             <a:off x="186840" y="1080000"/>
-            <a:ext cx="11512800" cy="5576040"/>
+            <a:ext cx="11512440" cy="5576040"/>
           </a:xfrm>
           <a:prstGeom prst="rect">
             <a:avLst/>
@@ -10851,7 +10851,7 @@
         <p:spPr>
           <a:xfrm>
             <a:off x="307440" y="18720"/>
-            <a:ext cx="10514880" cy="1324800"/>
+            <a:ext cx="10514520" cy="1324440"/>
           </a:xfrm>
           <a:prstGeom prst="rect">
             <a:avLst/>
@@ -10942,7 +10942,7 @@
         <p:spPr>
           <a:xfrm>
             <a:off x="121680" y="1800000"/>
-            <a:ext cx="11937960" cy="3239640"/>
+            <a:ext cx="11937600" cy="3239280"/>
           </a:xfrm>
           <a:prstGeom prst="rect">
             <a:avLst/>
@@ -10996,7 +10996,7 @@
         <p:spPr>
           <a:xfrm>
             <a:off x="838080" y="365040"/>
-            <a:ext cx="10514880" cy="1324800"/>
+            <a:ext cx="10514520" cy="1324440"/>
           </a:xfrm>
           <a:prstGeom prst="rect">
             <a:avLst/>
@@ -11038,7 +11038,7 @@
         <p:spPr>
           <a:xfrm>
             <a:off x="1189080" y="180000"/>
-            <a:ext cx="8880840" cy="6528240"/>
+            <a:ext cx="8880480" cy="6527880"/>
           </a:xfrm>
           <a:prstGeom prst="rect">
             <a:avLst/>
@@ -11092,7 +11092,7 @@
         <p:spPr>
           <a:xfrm>
             <a:off x="838080" y="365040"/>
-            <a:ext cx="10514880" cy="1324800"/>
+            <a:ext cx="10514520" cy="1324440"/>
           </a:xfrm>
           <a:prstGeom prst="rect">
             <a:avLst/>
@@ -11134,7 +11134,7 @@
         <p:spPr>
           <a:xfrm>
             <a:off x="1154520" y="180000"/>
-            <a:ext cx="9105120" cy="6479640"/>
+            <a:ext cx="9104760" cy="6479280"/>
           </a:xfrm>
           <a:prstGeom prst="rect">
             <a:avLst/>
@@ -11187,8 +11187,8 @@
         </p:nvSpPr>
         <p:spPr>
           <a:xfrm>
-            <a:off x="838080" y="364680"/>
-            <a:ext cx="10514880" cy="1325520"/>
+            <a:off x="838080" y="364320"/>
+            <a:ext cx="10514520" cy="1325880"/>
           </a:xfrm>
           <a:prstGeom prst="rect">
             <a:avLst/>
@@ -11230,7 +11230,7 @@
         <p:spPr>
           <a:xfrm>
             <a:off x="838080" y="1825560"/>
-            <a:ext cx="10514880" cy="4350600"/>
+            <a:ext cx="10514520" cy="4350240"/>
           </a:xfrm>
           <a:prstGeom prst="rect">
             <a:avLst/>
@@ -11254,7 +11254,7 @@
         <p:spPr>
           <a:xfrm>
             <a:off x="48240" y="360000"/>
-            <a:ext cx="12011400" cy="5983920"/>
+            <a:ext cx="12011040" cy="5983560"/>
           </a:xfrm>
           <a:prstGeom prst="rect">
             <a:avLst/>
@@ -11308,7 +11308,7 @@
         <p:spPr>
           <a:xfrm>
             <a:off x="838080" y="365040"/>
-            <a:ext cx="10514880" cy="1324800"/>
+            <a:ext cx="10514520" cy="1324440"/>
           </a:xfrm>
           <a:prstGeom prst="rect">
             <a:avLst/>
@@ -11350,7 +11350,7 @@
         <p:spPr>
           <a:xfrm>
             <a:off x="360" y="315720"/>
-            <a:ext cx="12191400" cy="5983920"/>
+            <a:ext cx="12191040" cy="5983560"/>
           </a:xfrm>
           <a:prstGeom prst="rect">
             <a:avLst/>
